--- a/class 10/lab 18 (Digital Electronics)/2. Presentation/lab 18.pptx
+++ b/class 10/lab 18 (Digital Electronics)/2. Presentation/lab 18.pptx
@@ -10,7 +10,8 @@
     <p:sldId id="349" r:id="rId5"/>
     <p:sldId id="350" r:id="rId6"/>
     <p:sldId id="351" r:id="rId7"/>
-    <p:sldId id="305" r:id="rId8"/>
+    <p:sldId id="353" r:id="rId8"/>
+    <p:sldId id="305" r:id="rId9"/>
   </p:sldIdLst>
   <p:sldSz cx="12192000" cy="6858000"/>
   <p:notesSz cx="7103745" cy="10234295"/>
@@ -3212,26 +3213,9 @@
                 <a:latin typeface="Purisa" panose="02000603000000000000" charset="0"/>
                 <a:cs typeface="Purisa" panose="02000603000000000000" charset="0"/>
               </a:rPr>
-              <a:t> lab 1</a:t>
+              <a:t> lab 18</a:t>
             </a:r>
-            <a:r>
-              <a:rPr lang="" altLang="en-US" sz="4800" b="1">
-                <a:solidFill>
-                  <a:schemeClr val="tx1"/>
-                </a:solidFill>
-                <a:effectLst>
-                  <a:outerShdw blurRad="38100" dist="19050" dir="2700000" algn="tl" rotWithShape="0">
-                    <a:schemeClr val="dk1">
-                      <a:alpha val="40000"/>
-                    </a:schemeClr>
-                  </a:outerShdw>
-                </a:effectLst>
-                <a:latin typeface="Purisa" panose="02000603000000000000" charset="0"/>
-                <a:cs typeface="Purisa" panose="02000603000000000000" charset="0"/>
-              </a:rPr>
-              <a:t>8</a:t>
-            </a:r>
-            <a:endParaRPr lang="" altLang="en-US" sz="4800" b="1">
+            <a:endParaRPr lang="en-US" altLang="en-US" sz="4800" b="1">
               <a:solidFill>
                 <a:schemeClr val="tx1"/>
               </a:solidFill>
@@ -4089,29 +4073,6 @@
           </a:bodyPr>
           <a:p>
             <a:r>
-              <a:rPr lang="" altLang="en-US" sz="4400" b="1">
-                <a:ln w="10160">
-                  <a:solidFill>
-                    <a:schemeClr val="accent5"/>
-                  </a:solidFill>
-                  <a:prstDash val="solid"/>
-                </a:ln>
-                <a:solidFill>
-                  <a:srgbClr val="FFFFFF"/>
-                </a:solidFill>
-                <a:effectLst>
-                  <a:outerShdw blurRad="38100" dist="22860" dir="5400000" algn="tl" rotWithShape="0">
-                    <a:srgbClr val="000000">
-                      <a:alpha val="30000"/>
-                    </a:srgbClr>
-                  </a:outerShdw>
-                </a:effectLst>
-                <a:latin typeface="Tibetan Machine Uni" panose="01000503020000020002" charset="0"/>
-                <a:cs typeface="Tibetan Machine Uni" panose="01000503020000020002" charset="0"/>
-              </a:rPr>
-              <a:t>2</a:t>
-            </a:r>
-            <a:r>
               <a:rPr lang="en-US" altLang="en-US" sz="4400" b="1">
                 <a:ln w="10160">
                   <a:solidFill>
@@ -4132,7 +4093,7 @@
                 <a:latin typeface="Tibetan Machine Uni" panose="01000503020000020002" charset="0"/>
                 <a:cs typeface="Tibetan Machine Uni" panose="01000503020000020002" charset="0"/>
               </a:rPr>
-              <a:t>’s complement Examples</a:t>
+              <a:t>2’s complement Examples</a:t>
             </a:r>
             <a:endParaRPr lang="en-US" altLang="en-US" sz="4400" b="1">
               <a:ln w="10160">
@@ -4190,7 +4151,7 @@
               <a:t>1 </a:t>
             </a:r>
             <a:r>
-              <a:rPr lang="" altLang="en-US" sz="3600" b="0">
+              <a:rPr lang="en-US" altLang="en-US" sz="3600" b="0">
                 <a:latin typeface="Calibri" charset="0"/>
                 <a:cs typeface="SimSun" charset="0"/>
               </a:rPr>
@@ -4445,7 +4406,7 @@
           </a:bodyPr>
           <a:p>
             <a:r>
-              <a:rPr lang="" altLang="en-US" sz="4400" b="1">
+              <a:rPr lang="en-US" altLang="en-US" sz="4400" b="1">
                 <a:ln w="10160">
                   <a:solidFill>
                     <a:schemeClr val="accent5"/>
@@ -4465,9 +4426,9 @@
                 <a:latin typeface="Tibetan Machine Uni" panose="01000503020000020002" charset="0"/>
                 <a:cs typeface="Tibetan Machine Uni" panose="01000503020000020002" charset="0"/>
               </a:rPr>
-              <a:t>Differnce</a:t>
+              <a:t>Boolean Postulates</a:t>
             </a:r>
-            <a:endParaRPr lang="" altLang="en-US" sz="4400" b="1">
+            <a:endParaRPr lang="en-US" altLang="en-US" sz="4400" b="1">
               <a:ln w="10160">
                 <a:solidFill>
                   <a:schemeClr val="accent5"/>
@@ -4490,6 +4451,1462 @@
           </a:p>
         </p:txBody>
       </p:sp>
+      <p:graphicFrame>
+        <p:nvGraphicFramePr>
+          <p:cNvPr id="2" name="Table 1"/>
+          <p:cNvGraphicFramePr/>
+          <p:nvPr/>
+        </p:nvGraphicFramePr>
+        <p:xfrm>
+          <a:off x="1480820" y="1595120"/>
+          <a:ext cx="8792845" cy="4533265"/>
+        </p:xfrm>
+        <a:graphic>
+          <a:graphicData uri="http://schemas.openxmlformats.org/drawingml/2006/table">
+            <a:tbl>
+              <a:tblPr firstRow="1" bandRow="1">
+                <a:tableStyleId>{5940675A-B579-460E-94D1-54222C63F5DA}</a:tableStyleId>
+              </a:tblPr>
+              <a:tblGrid>
+                <a:gridCol w="848995"/>
+                <a:gridCol w="3056890"/>
+                <a:gridCol w="2984500"/>
+                <a:gridCol w="1902460"/>
+              </a:tblGrid>
+              <a:tr h="653415">
+                <a:tc>
+                  <a:txBody>
+                    <a:bodyPr/>
+                    <a:p>
+                      <a:pPr>
+                        <a:buNone/>
+                      </a:pPr>
+                      <a:r>
+                        <a:rPr lang="en-US" sz="2000" b="1">
+                          <a:solidFill>
+                            <a:srgbClr val="1C1B10"/>
+                          </a:solidFill>
+                          <a:latin typeface="Calibri" charset="0"/>
+                          <a:cs typeface="Calibri" charset="0"/>
+                        </a:rPr>
+                        <a:t>(1)</a:t>
+                      </a:r>
+                      <a:endParaRPr lang="en-US" sz="2000" b="1">
+                        <a:solidFill>
+                          <a:srgbClr val="1C1B10"/>
+                        </a:solidFill>
+                        <a:latin typeface="Calibri" charset="0"/>
+                        <a:ea typeface="Calibri" charset="0"/>
+                        <a:cs typeface="Calibri" charset="0"/>
+                      </a:endParaRPr>
+                    </a:p>
+                  </a:txBody>
+                  <a:tcPr marL="9525" marR="9525" marT="9525" marB="9525" vert="horz" anchor="ctr">
+                    <a:lnL w="12700" cap="flat" cmpd="sng">
+                      <a:solidFill>
+                        <a:srgbClr val="080000"/>
+                      </a:solidFill>
+                      <a:prstDash val="solid"/>
+                      <a:headEnd type="none" w="med" len="med"/>
+                      <a:tailEnd type="none" w="med" len="med"/>
+                    </a:lnL>
+                    <a:lnR w="12700" cap="flat" cmpd="sng">
+                      <a:solidFill>
+                        <a:srgbClr val="080000"/>
+                      </a:solidFill>
+                      <a:prstDash val="solid"/>
+                      <a:headEnd type="none" w="med" len="med"/>
+                      <a:tailEnd type="none" w="med" len="med"/>
+                    </a:lnR>
+                    <a:lnT w="12700" cap="flat" cmpd="sng">
+                      <a:solidFill>
+                        <a:srgbClr val="080000"/>
+                      </a:solidFill>
+                      <a:prstDash val="solid"/>
+                      <a:headEnd type="none" w="med" len="med"/>
+                      <a:tailEnd type="none" w="med" len="med"/>
+                    </a:lnT>
+                    <a:lnB w="12700" cap="flat" cmpd="sng">
+                      <a:solidFill>
+                        <a:srgbClr val="080000"/>
+                      </a:solidFill>
+                      <a:prstDash val="solid"/>
+                      <a:headEnd type="none" w="med" len="med"/>
+                      <a:tailEnd type="none" w="med" len="med"/>
+                    </a:lnB>
+                    <a:lnTlToBr>
+                      <a:noFill/>
+                    </a:lnTlToBr>
+                    <a:lnBlToTr>
+                      <a:noFill/>
+                    </a:lnBlToTr>
+                    <a:noFill/>
+                  </a:tcPr>
+                </a:tc>
+                <a:tc>
+                  <a:txBody>
+                    <a:bodyPr/>
+                    <a:p>
+                      <a:pPr algn="ctr">
+                        <a:buNone/>
+                      </a:pPr>
+                      <a:r>
+                        <a:rPr lang="en-US" sz="2000" b="1">
+                          <a:solidFill>
+                            <a:srgbClr val="1C1B10"/>
+                          </a:solidFill>
+                          <a:latin typeface="Calibri" charset="0"/>
+                          <a:cs typeface="Calibri" charset="0"/>
+                        </a:rPr>
+                        <a:t>  A + 0 = A</a:t>
+                      </a:r>
+                      <a:endParaRPr lang="en-US" sz="2000" b="1">
+                        <a:solidFill>
+                          <a:srgbClr val="1C1B10"/>
+                        </a:solidFill>
+                        <a:latin typeface="Calibri" charset="0"/>
+                        <a:ea typeface="Calibri" charset="0"/>
+                        <a:cs typeface="Calibri" charset="0"/>
+                      </a:endParaRPr>
+                    </a:p>
+                  </a:txBody>
+                  <a:tcPr marL="9525" marR="9525" marT="9525" marB="9525" vert="horz" anchor="ctr">
+                    <a:lnL w="12700" cap="flat" cmpd="sng">
+                      <a:solidFill>
+                        <a:srgbClr val="080000"/>
+                      </a:solidFill>
+                      <a:prstDash val="solid"/>
+                      <a:headEnd type="none" w="med" len="med"/>
+                      <a:tailEnd type="none" w="med" len="med"/>
+                    </a:lnL>
+                    <a:lnR w="12700" cap="flat" cmpd="sng">
+                      <a:solidFill>
+                        <a:srgbClr val="080000"/>
+                      </a:solidFill>
+                      <a:prstDash val="solid"/>
+                      <a:headEnd type="none" w="med" len="med"/>
+                      <a:tailEnd type="none" w="med" len="med"/>
+                    </a:lnR>
+                    <a:lnT w="12700" cap="flat" cmpd="sng">
+                      <a:solidFill>
+                        <a:srgbClr val="080000"/>
+                      </a:solidFill>
+                      <a:prstDash val="solid"/>
+                      <a:headEnd type="none" w="med" len="med"/>
+                      <a:tailEnd type="none" w="med" len="med"/>
+                    </a:lnT>
+                    <a:lnB w="12700" cap="flat" cmpd="sng">
+                      <a:solidFill>
+                        <a:srgbClr val="080000"/>
+                      </a:solidFill>
+                      <a:prstDash val="solid"/>
+                      <a:headEnd type="none" w="med" len="med"/>
+                      <a:tailEnd type="none" w="med" len="med"/>
+                    </a:lnB>
+                    <a:lnTlToBr>
+                      <a:noFill/>
+                    </a:lnTlToBr>
+                    <a:lnBlToTr>
+                      <a:noFill/>
+                    </a:lnBlToTr>
+                    <a:noFill/>
+                  </a:tcPr>
+                </a:tc>
+                <a:tc>
+                  <a:txBody>
+                    <a:bodyPr/>
+                    <a:p>
+                      <a:pPr algn="ctr">
+                        <a:buNone/>
+                      </a:pPr>
+                      <a:r>
+                        <a:rPr lang="en-US" sz="2000" b="1">
+                          <a:solidFill>
+                            <a:srgbClr val="1C1B10"/>
+                          </a:solidFill>
+                          <a:latin typeface="Calibri" charset="0"/>
+                          <a:cs typeface="Calibri" charset="0"/>
+                        </a:rPr>
+                        <a:t>  A · 1 = A</a:t>
+                      </a:r>
+                      <a:endParaRPr lang="en-US" sz="2000" b="1">
+                        <a:solidFill>
+                          <a:srgbClr val="1C1B10"/>
+                        </a:solidFill>
+                        <a:latin typeface="Calibri" charset="0"/>
+                        <a:ea typeface="Calibri" charset="0"/>
+                        <a:cs typeface="Calibri" charset="0"/>
+                      </a:endParaRPr>
+                    </a:p>
+                  </a:txBody>
+                  <a:tcPr marL="9525" marR="9525" marT="9525" marB="9525" vert="horz" anchor="ctr">
+                    <a:lnL w="12700" cap="flat" cmpd="sng">
+                      <a:solidFill>
+                        <a:srgbClr val="080000"/>
+                      </a:solidFill>
+                      <a:prstDash val="solid"/>
+                      <a:headEnd type="none" w="med" len="med"/>
+                      <a:tailEnd type="none" w="med" len="med"/>
+                    </a:lnL>
+                    <a:lnR w="12700" cap="flat" cmpd="sng">
+                      <a:solidFill>
+                        <a:srgbClr val="080000"/>
+                      </a:solidFill>
+                      <a:prstDash val="solid"/>
+                      <a:headEnd type="none" w="med" len="med"/>
+                      <a:tailEnd type="none" w="med" len="med"/>
+                    </a:lnR>
+                    <a:lnT w="12700" cap="flat" cmpd="sng">
+                      <a:solidFill>
+                        <a:srgbClr val="080000"/>
+                      </a:solidFill>
+                      <a:prstDash val="solid"/>
+                      <a:headEnd type="none" w="med" len="med"/>
+                      <a:tailEnd type="none" w="med" len="med"/>
+                    </a:lnT>
+                    <a:lnB w="12700" cap="flat" cmpd="sng">
+                      <a:solidFill>
+                        <a:srgbClr val="080000"/>
+                      </a:solidFill>
+                      <a:prstDash val="solid"/>
+                      <a:headEnd type="none" w="med" len="med"/>
+                      <a:tailEnd type="none" w="med" len="med"/>
+                    </a:lnB>
+                    <a:lnTlToBr>
+                      <a:noFill/>
+                    </a:lnTlToBr>
+                    <a:lnBlToTr>
+                      <a:noFill/>
+                    </a:lnBlToTr>
+                    <a:noFill/>
+                  </a:tcPr>
+                </a:tc>
+                <a:tc>
+                  <a:txBody>
+                    <a:bodyPr/>
+                    <a:p>
+                      <a:pPr algn="ctr">
+                        <a:buNone/>
+                      </a:pPr>
+                      <a:r>
+                        <a:rPr lang="en-US" sz="2000" b="1">
+                          <a:solidFill>
+                            <a:srgbClr val="1C1B10"/>
+                          </a:solidFill>
+                          <a:latin typeface="Calibri" charset="0"/>
+                          <a:cs typeface="Calibri" charset="0"/>
+                        </a:rPr>
+                        <a:t> identity</a:t>
+                      </a:r>
+                      <a:endParaRPr lang="en-US" sz="2000" b="1">
+                        <a:solidFill>
+                          <a:srgbClr val="1C1B10"/>
+                        </a:solidFill>
+                        <a:latin typeface="Calibri" charset="0"/>
+                        <a:ea typeface="Calibri" charset="0"/>
+                        <a:cs typeface="Calibri" charset="0"/>
+                      </a:endParaRPr>
+                    </a:p>
+                  </a:txBody>
+                  <a:tcPr marL="9525" marR="9525" marT="9525" marB="9525" vert="horz" anchor="ctr">
+                    <a:lnL w="12700" cap="flat" cmpd="sng">
+                      <a:solidFill>
+                        <a:srgbClr val="080000"/>
+                      </a:solidFill>
+                      <a:prstDash val="solid"/>
+                      <a:headEnd type="none" w="med" len="med"/>
+                      <a:tailEnd type="none" w="med" len="med"/>
+                    </a:lnL>
+                    <a:lnR w="12700" cap="flat" cmpd="sng">
+                      <a:solidFill>
+                        <a:srgbClr val="080000"/>
+                      </a:solidFill>
+                      <a:prstDash val="solid"/>
+                      <a:headEnd type="none" w="med" len="med"/>
+                      <a:tailEnd type="none" w="med" len="med"/>
+                    </a:lnR>
+                    <a:lnT w="12700" cap="flat" cmpd="sng">
+                      <a:solidFill>
+                        <a:srgbClr val="080000"/>
+                      </a:solidFill>
+                      <a:prstDash val="solid"/>
+                      <a:headEnd type="none" w="med" len="med"/>
+                      <a:tailEnd type="none" w="med" len="med"/>
+                    </a:lnT>
+                    <a:lnB w="12700" cap="flat" cmpd="sng">
+                      <a:solidFill>
+                        <a:srgbClr val="080000"/>
+                      </a:solidFill>
+                      <a:prstDash val="solid"/>
+                      <a:headEnd type="none" w="med" len="med"/>
+                      <a:tailEnd type="none" w="med" len="med"/>
+                    </a:lnB>
+                    <a:lnTlToBr>
+                      <a:noFill/>
+                    </a:lnTlToBr>
+                    <a:lnBlToTr>
+                      <a:noFill/>
+                    </a:lnBlToTr>
+                    <a:noFill/>
+                  </a:tcPr>
+                </a:tc>
+              </a:tr>
+              <a:tr h="969645">
+                <a:tc>
+                  <a:txBody>
+                    <a:bodyPr/>
+                    <a:p>
+                      <a:pPr>
+                        <a:buNone/>
+                      </a:pPr>
+                      <a:r>
+                        <a:rPr lang="en-US" sz="2000" b="1">
+                          <a:solidFill>
+                            <a:srgbClr val="1C1B10"/>
+                          </a:solidFill>
+                          <a:latin typeface="Calibri" charset="0"/>
+                          <a:cs typeface="Calibri" charset="0"/>
+                        </a:rPr>
+                        <a:t>(2)</a:t>
+                      </a:r>
+                      <a:endParaRPr lang="en-US" sz="2000" b="1">
+                        <a:solidFill>
+                          <a:srgbClr val="1C1B10"/>
+                        </a:solidFill>
+                        <a:latin typeface="Calibri" charset="0"/>
+                        <a:ea typeface="Calibri" charset="0"/>
+                        <a:cs typeface="Calibri" charset="0"/>
+                      </a:endParaRPr>
+                    </a:p>
+                  </a:txBody>
+                  <a:tcPr marL="9525" marR="9525" marT="9525" marB="9525" vert="horz" anchor="ctr">
+                    <a:lnL w="12700" cap="flat" cmpd="sng">
+                      <a:solidFill>
+                        <a:srgbClr val="080000"/>
+                      </a:solidFill>
+                      <a:prstDash val="solid"/>
+                      <a:headEnd type="none" w="med" len="med"/>
+                      <a:tailEnd type="none" w="med" len="med"/>
+                    </a:lnL>
+                    <a:lnR w="12700" cap="flat" cmpd="sng">
+                      <a:solidFill>
+                        <a:srgbClr val="080000"/>
+                      </a:solidFill>
+                      <a:prstDash val="solid"/>
+                      <a:headEnd type="none" w="med" len="med"/>
+                      <a:tailEnd type="none" w="med" len="med"/>
+                    </a:lnR>
+                    <a:lnT w="12700" cap="flat" cmpd="sng">
+                      <a:solidFill>
+                        <a:srgbClr val="080000"/>
+                      </a:solidFill>
+                      <a:prstDash val="solid"/>
+                      <a:headEnd type="none" w="med" len="med"/>
+                      <a:tailEnd type="none" w="med" len="med"/>
+                    </a:lnT>
+                    <a:lnB w="12700" cap="flat" cmpd="sng">
+                      <a:solidFill>
+                        <a:srgbClr val="080000"/>
+                      </a:solidFill>
+                      <a:prstDash val="solid"/>
+                      <a:headEnd type="none" w="med" len="med"/>
+                      <a:tailEnd type="none" w="med" len="med"/>
+                    </a:lnB>
+                    <a:lnTlToBr>
+                      <a:noFill/>
+                    </a:lnTlToBr>
+                    <a:lnBlToTr>
+                      <a:noFill/>
+                    </a:lnBlToTr>
+                    <a:noFill/>
+                  </a:tcPr>
+                </a:tc>
+                <a:tc>
+                  <a:txBody>
+                    <a:bodyPr/>
+                    <a:p>
+                      <a:pPr algn="ctr">
+                        <a:buNone/>
+                      </a:pPr>
+                      <a:r>
+                        <a:rPr lang="en-US" sz="2000" b="1">
+                          <a:solidFill>
+                            <a:srgbClr val="1C1B10"/>
+                          </a:solidFill>
+                          <a:latin typeface="Calibri" charset="0"/>
+                          <a:cs typeface="Calibri" charset="0"/>
+                        </a:rPr>
+                        <a:t>  A + </a:t>
+                      </a:r>
+                      <a:r>
+                        <a:rPr lang="en-US" sz="2000" b="1" baseline="30000">
+                          <a:solidFill>
+                            <a:srgbClr val="1C1B10"/>
+                          </a:solidFill>
+                          <a:latin typeface="Calibri" charset="0"/>
+                          <a:cs typeface="Calibri" charset="0"/>
+                        </a:rPr>
+                        <a:t>NOT</a:t>
+                      </a:r>
+                      <a:r>
+                        <a:rPr lang="en-US" sz="2000" b="1">
+                          <a:solidFill>
+                            <a:srgbClr val="1C1B10"/>
+                          </a:solidFill>
+                          <a:latin typeface="Calibri" charset="0"/>
+                          <a:cs typeface="Calibri" charset="0"/>
+                        </a:rPr>
+                        <a:t>[A] = 1</a:t>
+                      </a:r>
+                      <a:endParaRPr lang="en-US" sz="2000" b="1">
+                        <a:solidFill>
+                          <a:srgbClr val="1C1B10"/>
+                        </a:solidFill>
+                        <a:latin typeface="Calibri" charset="0"/>
+                        <a:ea typeface="Calibri" charset="0"/>
+                        <a:cs typeface="Calibri" charset="0"/>
+                      </a:endParaRPr>
+                    </a:p>
+                  </a:txBody>
+                  <a:tcPr marL="9525" marR="9525" marT="9525" marB="9525" vert="horz" anchor="ctr">
+                    <a:lnL w="12700" cap="flat" cmpd="sng">
+                      <a:solidFill>
+                        <a:srgbClr val="080000"/>
+                      </a:solidFill>
+                      <a:prstDash val="solid"/>
+                      <a:headEnd type="none" w="med" len="med"/>
+                      <a:tailEnd type="none" w="med" len="med"/>
+                    </a:lnL>
+                    <a:lnR w="12700" cap="flat" cmpd="sng">
+                      <a:solidFill>
+                        <a:srgbClr val="080000"/>
+                      </a:solidFill>
+                      <a:prstDash val="solid"/>
+                      <a:headEnd type="none" w="med" len="med"/>
+                      <a:tailEnd type="none" w="med" len="med"/>
+                    </a:lnR>
+                    <a:lnT w="12700" cap="flat" cmpd="sng">
+                      <a:solidFill>
+                        <a:srgbClr val="080000"/>
+                      </a:solidFill>
+                      <a:prstDash val="solid"/>
+                      <a:headEnd type="none" w="med" len="med"/>
+                      <a:tailEnd type="none" w="med" len="med"/>
+                    </a:lnT>
+                    <a:lnB w="12700" cap="flat" cmpd="sng">
+                      <a:solidFill>
+                        <a:srgbClr val="080000"/>
+                      </a:solidFill>
+                      <a:prstDash val="solid"/>
+                      <a:headEnd type="none" w="med" len="med"/>
+                      <a:tailEnd type="none" w="med" len="med"/>
+                    </a:lnB>
+                    <a:lnTlToBr>
+                      <a:noFill/>
+                    </a:lnTlToBr>
+                    <a:lnBlToTr>
+                      <a:noFill/>
+                    </a:lnBlToTr>
+                    <a:noFill/>
+                  </a:tcPr>
+                </a:tc>
+                <a:tc>
+                  <a:txBody>
+                    <a:bodyPr/>
+                    <a:p>
+                      <a:pPr algn="ctr">
+                        <a:buNone/>
+                      </a:pPr>
+                      <a:r>
+                        <a:rPr lang="en-US" sz="2000" b="1">
+                          <a:solidFill>
+                            <a:srgbClr val="1C1B10"/>
+                          </a:solidFill>
+                          <a:latin typeface="Calibri" charset="0"/>
+                          <a:cs typeface="Calibri" charset="0"/>
+                        </a:rPr>
+                        <a:t>  A · </a:t>
+                      </a:r>
+                      <a:r>
+                        <a:rPr lang="en-US" sz="2000" b="1" baseline="30000">
+                          <a:solidFill>
+                            <a:srgbClr val="1C1B10"/>
+                          </a:solidFill>
+                          <a:latin typeface="Calibri" charset="0"/>
+                          <a:cs typeface="Calibri" charset="0"/>
+                        </a:rPr>
+                        <a:t>NOT</a:t>
+                      </a:r>
+                      <a:r>
+                        <a:rPr lang="en-US" sz="2000" b="1">
+                          <a:solidFill>
+                            <a:srgbClr val="1C1B10"/>
+                          </a:solidFill>
+                          <a:latin typeface="Calibri" charset="0"/>
+                          <a:cs typeface="Calibri" charset="0"/>
+                        </a:rPr>
+                        <a:t>[A] = 0</a:t>
+                      </a:r>
+                      <a:endParaRPr lang="en-US" sz="2000" b="1">
+                        <a:solidFill>
+                          <a:srgbClr val="1C1B10"/>
+                        </a:solidFill>
+                        <a:latin typeface="Calibri" charset="0"/>
+                        <a:ea typeface="Calibri" charset="0"/>
+                        <a:cs typeface="Calibri" charset="0"/>
+                      </a:endParaRPr>
+                    </a:p>
+                  </a:txBody>
+                  <a:tcPr marL="9525" marR="9525" marT="9525" marB="9525" vert="horz" anchor="ctr">
+                    <a:lnL w="12700" cap="flat" cmpd="sng">
+                      <a:solidFill>
+                        <a:srgbClr val="080000"/>
+                      </a:solidFill>
+                      <a:prstDash val="solid"/>
+                      <a:headEnd type="none" w="med" len="med"/>
+                      <a:tailEnd type="none" w="med" len="med"/>
+                    </a:lnL>
+                    <a:lnR w="12700" cap="flat" cmpd="sng">
+                      <a:solidFill>
+                        <a:srgbClr val="080000"/>
+                      </a:solidFill>
+                      <a:prstDash val="solid"/>
+                      <a:headEnd type="none" w="med" len="med"/>
+                      <a:tailEnd type="none" w="med" len="med"/>
+                    </a:lnR>
+                    <a:lnT w="12700" cap="flat" cmpd="sng">
+                      <a:solidFill>
+                        <a:srgbClr val="080000"/>
+                      </a:solidFill>
+                      <a:prstDash val="solid"/>
+                      <a:headEnd type="none" w="med" len="med"/>
+                      <a:tailEnd type="none" w="med" len="med"/>
+                    </a:lnT>
+                    <a:lnB w="12700" cap="flat" cmpd="sng">
+                      <a:solidFill>
+                        <a:srgbClr val="080000"/>
+                      </a:solidFill>
+                      <a:prstDash val="solid"/>
+                      <a:headEnd type="none" w="med" len="med"/>
+                      <a:tailEnd type="none" w="med" len="med"/>
+                    </a:lnB>
+                    <a:lnTlToBr>
+                      <a:noFill/>
+                    </a:lnTlToBr>
+                    <a:lnBlToTr>
+                      <a:noFill/>
+                    </a:lnBlToTr>
+                    <a:noFill/>
+                  </a:tcPr>
+                </a:tc>
+                <a:tc>
+                  <a:txBody>
+                    <a:bodyPr/>
+                    <a:p>
+                      <a:pPr algn="ctr">
+                        <a:buNone/>
+                      </a:pPr>
+                      <a:r>
+                        <a:rPr lang="en-US" sz="2000" b="1">
+                          <a:solidFill>
+                            <a:srgbClr val="1C1B10"/>
+                          </a:solidFill>
+                          <a:latin typeface="Calibri" charset="0"/>
+                          <a:cs typeface="Calibri" charset="0"/>
+                        </a:rPr>
+                        <a:t>complement</a:t>
+                      </a:r>
+                      <a:endParaRPr lang="en-US" sz="2000" b="1">
+                        <a:solidFill>
+                          <a:srgbClr val="1C1B10"/>
+                        </a:solidFill>
+                        <a:latin typeface="Calibri" charset="0"/>
+                        <a:ea typeface="Calibri" charset="0"/>
+                        <a:cs typeface="Calibri" charset="0"/>
+                      </a:endParaRPr>
+                    </a:p>
+                  </a:txBody>
+                  <a:tcPr marL="9525" marR="9525" marT="9525" marB="9525" vert="horz" anchor="ctr">
+                    <a:lnL w="12700" cap="flat" cmpd="sng">
+                      <a:solidFill>
+                        <a:srgbClr val="080000"/>
+                      </a:solidFill>
+                      <a:prstDash val="solid"/>
+                      <a:headEnd type="none" w="med" len="med"/>
+                      <a:tailEnd type="none" w="med" len="med"/>
+                    </a:lnL>
+                    <a:lnR w="12700" cap="flat" cmpd="sng">
+                      <a:solidFill>
+                        <a:srgbClr val="080000"/>
+                      </a:solidFill>
+                      <a:prstDash val="solid"/>
+                      <a:headEnd type="none" w="med" len="med"/>
+                      <a:tailEnd type="none" w="med" len="med"/>
+                    </a:lnR>
+                    <a:lnT w="12700" cap="flat" cmpd="sng">
+                      <a:solidFill>
+                        <a:srgbClr val="080000"/>
+                      </a:solidFill>
+                      <a:prstDash val="solid"/>
+                      <a:headEnd type="none" w="med" len="med"/>
+                      <a:tailEnd type="none" w="med" len="med"/>
+                    </a:lnT>
+                    <a:lnB w="12700" cap="flat" cmpd="sng">
+                      <a:solidFill>
+                        <a:srgbClr val="080000"/>
+                      </a:solidFill>
+                      <a:prstDash val="solid"/>
+                      <a:headEnd type="none" w="med" len="med"/>
+                      <a:tailEnd type="none" w="med" len="med"/>
+                    </a:lnB>
+                    <a:lnTlToBr>
+                      <a:noFill/>
+                    </a:lnTlToBr>
+                    <a:lnBlToTr>
+                      <a:noFill/>
+                    </a:lnBlToTr>
+                    <a:noFill/>
+                  </a:tcPr>
+                </a:tc>
+              </a:tr>
+              <a:tr h="970280">
+                <a:tc>
+                  <a:txBody>
+                    <a:bodyPr/>
+                    <a:p>
+                      <a:pPr>
+                        <a:buNone/>
+                      </a:pPr>
+                      <a:r>
+                        <a:rPr lang="en-US" sz="2000" b="1">
+                          <a:solidFill>
+                            <a:srgbClr val="1C1B10"/>
+                          </a:solidFill>
+                          <a:latin typeface="Calibri" charset="0"/>
+                          <a:cs typeface="Calibri" charset="0"/>
+                        </a:rPr>
+                        <a:t>(3)</a:t>
+                      </a:r>
+                      <a:endParaRPr lang="en-US" sz="2000" b="1">
+                        <a:solidFill>
+                          <a:srgbClr val="1C1B10"/>
+                        </a:solidFill>
+                        <a:latin typeface="Calibri" charset="0"/>
+                        <a:ea typeface="Calibri" charset="0"/>
+                        <a:cs typeface="Calibri" charset="0"/>
+                      </a:endParaRPr>
+                    </a:p>
+                  </a:txBody>
+                  <a:tcPr marL="9525" marR="9525" marT="9525" marB="9525" vert="horz" anchor="ctr">
+                    <a:lnL w="12700" cap="flat" cmpd="sng">
+                      <a:solidFill>
+                        <a:srgbClr val="080000"/>
+                      </a:solidFill>
+                      <a:prstDash val="solid"/>
+                      <a:headEnd type="none" w="med" len="med"/>
+                      <a:tailEnd type="none" w="med" len="med"/>
+                    </a:lnL>
+                    <a:lnR w="12700" cap="flat" cmpd="sng">
+                      <a:solidFill>
+                        <a:srgbClr val="080000"/>
+                      </a:solidFill>
+                      <a:prstDash val="solid"/>
+                      <a:headEnd type="none" w="med" len="med"/>
+                      <a:tailEnd type="none" w="med" len="med"/>
+                    </a:lnR>
+                    <a:lnT w="12700" cap="flat" cmpd="sng">
+                      <a:solidFill>
+                        <a:srgbClr val="080000"/>
+                      </a:solidFill>
+                      <a:prstDash val="solid"/>
+                      <a:headEnd type="none" w="med" len="med"/>
+                      <a:tailEnd type="none" w="med" len="med"/>
+                    </a:lnT>
+                    <a:lnB w="12700" cap="flat" cmpd="sng">
+                      <a:solidFill>
+                        <a:srgbClr val="080000"/>
+                      </a:solidFill>
+                      <a:prstDash val="solid"/>
+                      <a:headEnd type="none" w="med" len="med"/>
+                      <a:tailEnd type="none" w="med" len="med"/>
+                    </a:lnB>
+                    <a:lnTlToBr>
+                      <a:noFill/>
+                    </a:lnTlToBr>
+                    <a:lnBlToTr>
+                      <a:noFill/>
+                    </a:lnBlToTr>
+                    <a:noFill/>
+                  </a:tcPr>
+                </a:tc>
+                <a:tc>
+                  <a:txBody>
+                    <a:bodyPr/>
+                    <a:p>
+                      <a:pPr algn="ctr">
+                        <a:buNone/>
+                      </a:pPr>
+                      <a:r>
+                        <a:rPr lang="en-US" sz="2000" b="1">
+                          <a:solidFill>
+                            <a:srgbClr val="1C1B10"/>
+                          </a:solidFill>
+                          <a:latin typeface="Calibri" charset="0"/>
+                          <a:cs typeface="Calibri" charset="0"/>
+                        </a:rPr>
+                        <a:t>  A + B = B + A</a:t>
+                      </a:r>
+                      <a:endParaRPr lang="en-US" sz="2000" b="1">
+                        <a:solidFill>
+                          <a:srgbClr val="1C1B10"/>
+                        </a:solidFill>
+                        <a:latin typeface="Calibri" charset="0"/>
+                        <a:ea typeface="Calibri" charset="0"/>
+                        <a:cs typeface="Calibri" charset="0"/>
+                      </a:endParaRPr>
+                    </a:p>
+                  </a:txBody>
+                  <a:tcPr marL="9525" marR="9525" marT="9525" marB="9525" vert="horz" anchor="ctr">
+                    <a:lnL w="12700" cap="flat" cmpd="sng">
+                      <a:solidFill>
+                        <a:srgbClr val="080000"/>
+                      </a:solidFill>
+                      <a:prstDash val="solid"/>
+                      <a:headEnd type="none" w="med" len="med"/>
+                      <a:tailEnd type="none" w="med" len="med"/>
+                    </a:lnL>
+                    <a:lnR w="12700" cap="flat" cmpd="sng">
+                      <a:solidFill>
+                        <a:srgbClr val="080000"/>
+                      </a:solidFill>
+                      <a:prstDash val="solid"/>
+                      <a:headEnd type="none" w="med" len="med"/>
+                      <a:tailEnd type="none" w="med" len="med"/>
+                    </a:lnR>
+                    <a:lnT w="12700" cap="flat" cmpd="sng">
+                      <a:solidFill>
+                        <a:srgbClr val="080000"/>
+                      </a:solidFill>
+                      <a:prstDash val="solid"/>
+                      <a:headEnd type="none" w="med" len="med"/>
+                      <a:tailEnd type="none" w="med" len="med"/>
+                    </a:lnT>
+                    <a:lnB w="12700" cap="flat" cmpd="sng">
+                      <a:solidFill>
+                        <a:srgbClr val="080000"/>
+                      </a:solidFill>
+                      <a:prstDash val="solid"/>
+                      <a:headEnd type="none" w="med" len="med"/>
+                      <a:tailEnd type="none" w="med" len="med"/>
+                    </a:lnB>
+                    <a:lnTlToBr>
+                      <a:noFill/>
+                    </a:lnTlToBr>
+                    <a:lnBlToTr>
+                      <a:noFill/>
+                    </a:lnBlToTr>
+                    <a:noFill/>
+                  </a:tcPr>
+                </a:tc>
+                <a:tc>
+                  <a:txBody>
+                    <a:bodyPr/>
+                    <a:p>
+                      <a:pPr algn="ctr">
+                        <a:buNone/>
+                      </a:pPr>
+                      <a:r>
+                        <a:rPr lang="en-US" sz="2000" b="1">
+                          <a:solidFill>
+                            <a:srgbClr val="1C1B10"/>
+                          </a:solidFill>
+                          <a:latin typeface="Calibri" charset="0"/>
+                          <a:cs typeface="Calibri" charset="0"/>
+                        </a:rPr>
+                        <a:t>  A · B = B · A</a:t>
+                      </a:r>
+                      <a:endParaRPr lang="en-US" sz="2000" b="1">
+                        <a:solidFill>
+                          <a:srgbClr val="1C1B10"/>
+                        </a:solidFill>
+                        <a:latin typeface="Calibri" charset="0"/>
+                        <a:ea typeface="Calibri" charset="0"/>
+                        <a:cs typeface="Calibri" charset="0"/>
+                      </a:endParaRPr>
+                    </a:p>
+                  </a:txBody>
+                  <a:tcPr marL="9525" marR="9525" marT="9525" marB="9525" vert="horz" anchor="ctr">
+                    <a:lnL w="12700" cap="flat" cmpd="sng">
+                      <a:solidFill>
+                        <a:srgbClr val="080000"/>
+                      </a:solidFill>
+                      <a:prstDash val="solid"/>
+                      <a:headEnd type="none" w="med" len="med"/>
+                      <a:tailEnd type="none" w="med" len="med"/>
+                    </a:lnL>
+                    <a:lnR w="12700" cap="flat" cmpd="sng">
+                      <a:solidFill>
+                        <a:srgbClr val="080000"/>
+                      </a:solidFill>
+                      <a:prstDash val="solid"/>
+                      <a:headEnd type="none" w="med" len="med"/>
+                      <a:tailEnd type="none" w="med" len="med"/>
+                    </a:lnR>
+                    <a:lnT w="12700" cap="flat" cmpd="sng">
+                      <a:solidFill>
+                        <a:srgbClr val="080000"/>
+                      </a:solidFill>
+                      <a:prstDash val="solid"/>
+                      <a:headEnd type="none" w="med" len="med"/>
+                      <a:tailEnd type="none" w="med" len="med"/>
+                    </a:lnT>
+                    <a:lnB w="12700" cap="flat" cmpd="sng">
+                      <a:solidFill>
+                        <a:srgbClr val="080000"/>
+                      </a:solidFill>
+                      <a:prstDash val="solid"/>
+                      <a:headEnd type="none" w="med" len="med"/>
+                      <a:tailEnd type="none" w="med" len="med"/>
+                    </a:lnB>
+                    <a:lnTlToBr>
+                      <a:noFill/>
+                    </a:lnTlToBr>
+                    <a:lnBlToTr>
+                      <a:noFill/>
+                    </a:lnBlToTr>
+                    <a:noFill/>
+                  </a:tcPr>
+                </a:tc>
+                <a:tc>
+                  <a:txBody>
+                    <a:bodyPr/>
+                    <a:p>
+                      <a:pPr algn="ctr">
+                        <a:buNone/>
+                      </a:pPr>
+                      <a:r>
+                        <a:rPr lang="en-US" sz="2000" b="1">
+                          <a:solidFill>
+                            <a:srgbClr val="1C1B10"/>
+                          </a:solidFill>
+                          <a:latin typeface="Calibri" charset="0"/>
+                          <a:cs typeface="Calibri" charset="0"/>
+                        </a:rPr>
+                        <a:t>  commutative law</a:t>
+                      </a:r>
+                      <a:endParaRPr lang="en-US" sz="2000" b="1">
+                        <a:solidFill>
+                          <a:srgbClr val="1C1B10"/>
+                        </a:solidFill>
+                        <a:latin typeface="Calibri" charset="0"/>
+                        <a:ea typeface="Calibri" charset="0"/>
+                        <a:cs typeface="Calibri" charset="0"/>
+                      </a:endParaRPr>
+                    </a:p>
+                  </a:txBody>
+                  <a:tcPr marL="9525" marR="9525" marT="9525" marB="9525" vert="horz" anchor="ctr">
+                    <a:lnL w="12700" cap="flat" cmpd="sng">
+                      <a:solidFill>
+                        <a:srgbClr val="080000"/>
+                      </a:solidFill>
+                      <a:prstDash val="solid"/>
+                      <a:headEnd type="none" w="med" len="med"/>
+                      <a:tailEnd type="none" w="med" len="med"/>
+                    </a:lnL>
+                    <a:lnR w="12700" cap="flat" cmpd="sng">
+                      <a:solidFill>
+                        <a:srgbClr val="080000"/>
+                      </a:solidFill>
+                      <a:prstDash val="solid"/>
+                      <a:headEnd type="none" w="med" len="med"/>
+                      <a:tailEnd type="none" w="med" len="med"/>
+                    </a:lnR>
+                    <a:lnT w="12700" cap="flat" cmpd="sng">
+                      <a:solidFill>
+                        <a:srgbClr val="080000"/>
+                      </a:solidFill>
+                      <a:prstDash val="solid"/>
+                      <a:headEnd type="none" w="med" len="med"/>
+                      <a:tailEnd type="none" w="med" len="med"/>
+                    </a:lnT>
+                    <a:lnB w="12700" cap="flat" cmpd="sng">
+                      <a:solidFill>
+                        <a:srgbClr val="080000"/>
+                      </a:solidFill>
+                      <a:prstDash val="solid"/>
+                      <a:headEnd type="none" w="med" len="med"/>
+                      <a:tailEnd type="none" w="med" len="med"/>
+                    </a:lnB>
+                    <a:lnTlToBr>
+                      <a:noFill/>
+                    </a:lnTlToBr>
+                    <a:lnBlToTr>
+                      <a:noFill/>
+                    </a:lnBlToTr>
+                    <a:noFill/>
+                  </a:tcPr>
+                </a:tc>
+              </a:tr>
+              <a:tr h="969645">
+                <a:tc>
+                  <a:txBody>
+                    <a:bodyPr/>
+                    <a:p>
+                      <a:pPr>
+                        <a:buNone/>
+                      </a:pPr>
+                      <a:r>
+                        <a:rPr lang="en-US" sz="2000" b="1">
+                          <a:solidFill>
+                            <a:srgbClr val="1C1B10"/>
+                          </a:solidFill>
+                          <a:latin typeface="Calibri" charset="0"/>
+                          <a:cs typeface="Calibri" charset="0"/>
+                        </a:rPr>
+                        <a:t>(4)</a:t>
+                      </a:r>
+                      <a:endParaRPr lang="en-US" sz="2000" b="1">
+                        <a:solidFill>
+                          <a:srgbClr val="1C1B10"/>
+                        </a:solidFill>
+                        <a:latin typeface="Calibri" charset="0"/>
+                        <a:ea typeface="Calibri" charset="0"/>
+                        <a:cs typeface="Calibri" charset="0"/>
+                      </a:endParaRPr>
+                    </a:p>
+                  </a:txBody>
+                  <a:tcPr marL="9525" marR="9525" marT="9525" marB="9525" vert="horz" anchor="ctr">
+                    <a:lnL w="12700" cap="flat" cmpd="sng">
+                      <a:solidFill>
+                        <a:srgbClr val="080000"/>
+                      </a:solidFill>
+                      <a:prstDash val="solid"/>
+                      <a:headEnd type="none" w="med" len="med"/>
+                      <a:tailEnd type="none" w="med" len="med"/>
+                    </a:lnL>
+                    <a:lnR w="12700" cap="flat" cmpd="sng">
+                      <a:solidFill>
+                        <a:srgbClr val="080000"/>
+                      </a:solidFill>
+                      <a:prstDash val="solid"/>
+                      <a:headEnd type="none" w="med" len="med"/>
+                      <a:tailEnd type="none" w="med" len="med"/>
+                    </a:lnR>
+                    <a:lnT w="12700" cap="flat" cmpd="sng">
+                      <a:solidFill>
+                        <a:srgbClr val="080000"/>
+                      </a:solidFill>
+                      <a:prstDash val="solid"/>
+                      <a:headEnd type="none" w="med" len="med"/>
+                      <a:tailEnd type="none" w="med" len="med"/>
+                    </a:lnT>
+                    <a:lnB w="12700" cap="flat" cmpd="sng">
+                      <a:solidFill>
+                        <a:srgbClr val="080000"/>
+                      </a:solidFill>
+                      <a:prstDash val="solid"/>
+                      <a:headEnd type="none" w="med" len="med"/>
+                      <a:tailEnd type="none" w="med" len="med"/>
+                    </a:lnB>
+                    <a:lnTlToBr>
+                      <a:noFill/>
+                    </a:lnTlToBr>
+                    <a:lnBlToTr>
+                      <a:noFill/>
+                    </a:lnBlToTr>
+                    <a:noFill/>
+                  </a:tcPr>
+                </a:tc>
+                <a:tc>
+                  <a:txBody>
+                    <a:bodyPr/>
+                    <a:p>
+                      <a:pPr algn="ctr">
+                        <a:buNone/>
+                      </a:pPr>
+                      <a:r>
+                        <a:rPr lang="en-US" sz="2000" b="1">
+                          <a:solidFill>
+                            <a:srgbClr val="1C1B10"/>
+                          </a:solidFill>
+                          <a:latin typeface="Calibri" charset="0"/>
+                          <a:cs typeface="Calibri" charset="0"/>
+                        </a:rPr>
+                        <a:t>  A + (B + C) = (A + B) + C</a:t>
+                      </a:r>
+                      <a:endParaRPr lang="en-US" sz="2000" b="1">
+                        <a:solidFill>
+                          <a:srgbClr val="1C1B10"/>
+                        </a:solidFill>
+                        <a:latin typeface="Calibri" charset="0"/>
+                        <a:ea typeface="Calibri" charset="0"/>
+                        <a:cs typeface="Calibri" charset="0"/>
+                      </a:endParaRPr>
+                    </a:p>
+                  </a:txBody>
+                  <a:tcPr marL="9525" marR="9525" marT="9525" marB="9525" vert="horz" anchor="ctr">
+                    <a:lnL w="12700" cap="flat" cmpd="sng">
+                      <a:solidFill>
+                        <a:srgbClr val="080000"/>
+                      </a:solidFill>
+                      <a:prstDash val="solid"/>
+                      <a:headEnd type="none" w="med" len="med"/>
+                      <a:tailEnd type="none" w="med" len="med"/>
+                    </a:lnL>
+                    <a:lnR w="12700" cap="flat" cmpd="sng">
+                      <a:solidFill>
+                        <a:srgbClr val="080000"/>
+                      </a:solidFill>
+                      <a:prstDash val="solid"/>
+                      <a:headEnd type="none" w="med" len="med"/>
+                      <a:tailEnd type="none" w="med" len="med"/>
+                    </a:lnR>
+                    <a:lnT w="12700" cap="flat" cmpd="sng">
+                      <a:solidFill>
+                        <a:srgbClr val="080000"/>
+                      </a:solidFill>
+                      <a:prstDash val="solid"/>
+                      <a:headEnd type="none" w="med" len="med"/>
+                      <a:tailEnd type="none" w="med" len="med"/>
+                    </a:lnT>
+                    <a:lnB w="12700" cap="flat" cmpd="sng">
+                      <a:solidFill>
+                        <a:srgbClr val="080000"/>
+                      </a:solidFill>
+                      <a:prstDash val="solid"/>
+                      <a:headEnd type="none" w="med" len="med"/>
+                      <a:tailEnd type="none" w="med" len="med"/>
+                    </a:lnB>
+                    <a:lnTlToBr>
+                      <a:noFill/>
+                    </a:lnTlToBr>
+                    <a:lnBlToTr>
+                      <a:noFill/>
+                    </a:lnBlToTr>
+                    <a:noFill/>
+                  </a:tcPr>
+                </a:tc>
+                <a:tc>
+                  <a:txBody>
+                    <a:bodyPr/>
+                    <a:p>
+                      <a:pPr algn="ctr">
+                        <a:buNone/>
+                      </a:pPr>
+                      <a:r>
+                        <a:rPr lang="en-US" sz="2000" b="1">
+                          <a:solidFill>
+                            <a:srgbClr val="1C1B10"/>
+                          </a:solidFill>
+                          <a:latin typeface="Calibri" charset="0"/>
+                          <a:cs typeface="Calibri" charset="0"/>
+                        </a:rPr>
+                        <a:t>  A · (B · C) = (A · B) · C</a:t>
+                      </a:r>
+                      <a:endParaRPr lang="en-US" sz="2000" b="1">
+                        <a:solidFill>
+                          <a:srgbClr val="1C1B10"/>
+                        </a:solidFill>
+                        <a:latin typeface="Calibri" charset="0"/>
+                        <a:ea typeface="Calibri" charset="0"/>
+                        <a:cs typeface="Calibri" charset="0"/>
+                      </a:endParaRPr>
+                    </a:p>
+                  </a:txBody>
+                  <a:tcPr marL="9525" marR="9525" marT="9525" marB="9525" vert="horz" anchor="ctr">
+                    <a:lnL w="12700" cap="flat" cmpd="sng">
+                      <a:solidFill>
+                        <a:srgbClr val="080000"/>
+                      </a:solidFill>
+                      <a:prstDash val="solid"/>
+                      <a:headEnd type="none" w="med" len="med"/>
+                      <a:tailEnd type="none" w="med" len="med"/>
+                    </a:lnL>
+                    <a:lnR w="12700" cap="flat" cmpd="sng">
+                      <a:solidFill>
+                        <a:srgbClr val="080000"/>
+                      </a:solidFill>
+                      <a:prstDash val="solid"/>
+                      <a:headEnd type="none" w="med" len="med"/>
+                      <a:tailEnd type="none" w="med" len="med"/>
+                    </a:lnR>
+                    <a:lnT w="12700" cap="flat" cmpd="sng">
+                      <a:solidFill>
+                        <a:srgbClr val="080000"/>
+                      </a:solidFill>
+                      <a:prstDash val="solid"/>
+                      <a:headEnd type="none" w="med" len="med"/>
+                      <a:tailEnd type="none" w="med" len="med"/>
+                    </a:lnT>
+                    <a:lnB w="12700" cap="flat" cmpd="sng">
+                      <a:solidFill>
+                        <a:srgbClr val="080000"/>
+                      </a:solidFill>
+                      <a:prstDash val="solid"/>
+                      <a:headEnd type="none" w="med" len="med"/>
+                      <a:tailEnd type="none" w="med" len="med"/>
+                    </a:lnB>
+                    <a:lnTlToBr>
+                      <a:noFill/>
+                    </a:lnTlToBr>
+                    <a:lnBlToTr>
+                      <a:noFill/>
+                    </a:lnBlToTr>
+                    <a:noFill/>
+                  </a:tcPr>
+                </a:tc>
+                <a:tc>
+                  <a:txBody>
+                    <a:bodyPr/>
+                    <a:p>
+                      <a:pPr algn="ctr">
+                        <a:buNone/>
+                      </a:pPr>
+                      <a:r>
+                        <a:rPr lang="en-US" sz="2000" b="1">
+                          <a:solidFill>
+                            <a:srgbClr val="1C1B10"/>
+                          </a:solidFill>
+                          <a:latin typeface="Calibri" charset="0"/>
+                          <a:cs typeface="Calibri" charset="0"/>
+                        </a:rPr>
+                        <a:t>associative law</a:t>
+                      </a:r>
+                      <a:endParaRPr lang="en-US" sz="2000" b="1">
+                        <a:solidFill>
+                          <a:srgbClr val="1C1B10"/>
+                        </a:solidFill>
+                        <a:latin typeface="Calibri" charset="0"/>
+                        <a:ea typeface="Calibri" charset="0"/>
+                        <a:cs typeface="Calibri" charset="0"/>
+                      </a:endParaRPr>
+                    </a:p>
+                  </a:txBody>
+                  <a:tcPr marL="9525" marR="9525" marT="9525" marB="9525" vert="horz" anchor="ctr">
+                    <a:lnL w="12700" cap="flat" cmpd="sng">
+                      <a:solidFill>
+                        <a:srgbClr val="080000"/>
+                      </a:solidFill>
+                      <a:prstDash val="solid"/>
+                      <a:headEnd type="none" w="med" len="med"/>
+                      <a:tailEnd type="none" w="med" len="med"/>
+                    </a:lnL>
+                    <a:lnR w="12700" cap="flat" cmpd="sng">
+                      <a:solidFill>
+                        <a:srgbClr val="080000"/>
+                      </a:solidFill>
+                      <a:prstDash val="solid"/>
+                      <a:headEnd type="none" w="med" len="med"/>
+                      <a:tailEnd type="none" w="med" len="med"/>
+                    </a:lnR>
+                    <a:lnT w="12700" cap="flat" cmpd="sng">
+                      <a:solidFill>
+                        <a:srgbClr val="080000"/>
+                      </a:solidFill>
+                      <a:prstDash val="solid"/>
+                      <a:headEnd type="none" w="med" len="med"/>
+                      <a:tailEnd type="none" w="med" len="med"/>
+                    </a:lnT>
+                    <a:lnB w="12700" cap="flat" cmpd="sng">
+                      <a:solidFill>
+                        <a:srgbClr val="080000"/>
+                      </a:solidFill>
+                      <a:prstDash val="solid"/>
+                      <a:headEnd type="none" w="med" len="med"/>
+                      <a:tailEnd type="none" w="med" len="med"/>
+                    </a:lnB>
+                    <a:lnTlToBr>
+                      <a:noFill/>
+                    </a:lnTlToBr>
+                    <a:lnBlToTr>
+                      <a:noFill/>
+                    </a:lnBlToTr>
+                    <a:noFill/>
+                  </a:tcPr>
+                </a:tc>
+              </a:tr>
+              <a:tr h="970280">
+                <a:tc>
+                  <a:txBody>
+                    <a:bodyPr/>
+                    <a:p>
+                      <a:pPr>
+                        <a:buNone/>
+                      </a:pPr>
+                      <a:r>
+                        <a:rPr lang="en-US" sz="2000" b="1">
+                          <a:solidFill>
+                            <a:srgbClr val="1C1B10"/>
+                          </a:solidFill>
+                          <a:latin typeface="Calibri" charset="0"/>
+                          <a:cs typeface="Calibri" charset="0"/>
+                        </a:rPr>
+                        <a:t>(5)</a:t>
+                      </a:r>
+                      <a:endParaRPr lang="en-US" sz="2000" b="1">
+                        <a:solidFill>
+                          <a:srgbClr val="1C1B10"/>
+                        </a:solidFill>
+                        <a:latin typeface="Calibri" charset="0"/>
+                        <a:ea typeface="Calibri" charset="0"/>
+                        <a:cs typeface="Calibri" charset="0"/>
+                      </a:endParaRPr>
+                    </a:p>
+                  </a:txBody>
+                  <a:tcPr marL="9525" marR="9525" marT="9525" marB="9525" vert="horz" anchor="ctr">
+                    <a:lnL w="12700" cap="flat" cmpd="sng">
+                      <a:solidFill>
+                        <a:srgbClr val="080000"/>
+                      </a:solidFill>
+                      <a:prstDash val="solid"/>
+                      <a:headEnd type="none" w="med" len="med"/>
+                      <a:tailEnd type="none" w="med" len="med"/>
+                    </a:lnL>
+                    <a:lnR w="12700" cap="flat" cmpd="sng">
+                      <a:solidFill>
+                        <a:srgbClr val="080000"/>
+                      </a:solidFill>
+                      <a:prstDash val="solid"/>
+                      <a:headEnd type="none" w="med" len="med"/>
+                      <a:tailEnd type="none" w="med" len="med"/>
+                    </a:lnR>
+                    <a:lnT w="12700" cap="flat" cmpd="sng">
+                      <a:solidFill>
+                        <a:srgbClr val="080000"/>
+                      </a:solidFill>
+                      <a:prstDash val="solid"/>
+                      <a:headEnd type="none" w="med" len="med"/>
+                      <a:tailEnd type="none" w="med" len="med"/>
+                    </a:lnT>
+                    <a:lnB w="12700" cap="flat" cmpd="sng">
+                      <a:solidFill>
+                        <a:srgbClr val="080000"/>
+                      </a:solidFill>
+                      <a:prstDash val="solid"/>
+                      <a:headEnd type="none" w="med" len="med"/>
+                      <a:tailEnd type="none" w="med" len="med"/>
+                    </a:lnB>
+                    <a:lnTlToBr>
+                      <a:noFill/>
+                    </a:lnTlToBr>
+                    <a:lnBlToTr>
+                      <a:noFill/>
+                    </a:lnBlToTr>
+                    <a:noFill/>
+                  </a:tcPr>
+                </a:tc>
+                <a:tc>
+                  <a:txBody>
+                    <a:bodyPr/>
+                    <a:p>
+                      <a:pPr algn="ctr">
+                        <a:buNone/>
+                      </a:pPr>
+                      <a:r>
+                        <a:rPr lang="en-US" sz="2000" b="1">
+                          <a:solidFill>
+                            <a:srgbClr val="1C1B10"/>
+                          </a:solidFill>
+                          <a:latin typeface="Calibri" charset="0"/>
+                          <a:cs typeface="Calibri" charset="0"/>
+                        </a:rPr>
+                        <a:t>  A + (B · C) = (A + B) · (A + C)</a:t>
+                      </a:r>
+                      <a:endParaRPr lang="en-US" sz="2000" b="1">
+                        <a:solidFill>
+                          <a:srgbClr val="1C1B10"/>
+                        </a:solidFill>
+                        <a:latin typeface="Calibri" charset="0"/>
+                        <a:ea typeface="Calibri" charset="0"/>
+                        <a:cs typeface="Calibri" charset="0"/>
+                      </a:endParaRPr>
+                    </a:p>
+                  </a:txBody>
+                  <a:tcPr marL="9525" marR="9525" marT="9525" marB="9525" vert="horz" anchor="ctr">
+                    <a:lnL w="12700" cap="flat" cmpd="sng">
+                      <a:solidFill>
+                        <a:srgbClr val="080000"/>
+                      </a:solidFill>
+                      <a:prstDash val="solid"/>
+                      <a:headEnd type="none" w="med" len="med"/>
+                      <a:tailEnd type="none" w="med" len="med"/>
+                    </a:lnL>
+                    <a:lnR w="12700" cap="flat" cmpd="sng">
+                      <a:solidFill>
+                        <a:srgbClr val="080000"/>
+                      </a:solidFill>
+                      <a:prstDash val="solid"/>
+                      <a:headEnd type="none" w="med" len="med"/>
+                      <a:tailEnd type="none" w="med" len="med"/>
+                    </a:lnR>
+                    <a:lnT w="12700" cap="flat" cmpd="sng">
+                      <a:solidFill>
+                        <a:srgbClr val="080000"/>
+                      </a:solidFill>
+                      <a:prstDash val="solid"/>
+                      <a:headEnd type="none" w="med" len="med"/>
+                      <a:tailEnd type="none" w="med" len="med"/>
+                    </a:lnT>
+                    <a:lnB w="12700" cap="flat" cmpd="sng">
+                      <a:solidFill>
+                        <a:srgbClr val="080000"/>
+                      </a:solidFill>
+                      <a:prstDash val="solid"/>
+                      <a:headEnd type="none" w="med" len="med"/>
+                      <a:tailEnd type="none" w="med" len="med"/>
+                    </a:lnB>
+                    <a:lnTlToBr>
+                      <a:noFill/>
+                    </a:lnTlToBr>
+                    <a:lnBlToTr>
+                      <a:noFill/>
+                    </a:lnBlToTr>
+                    <a:noFill/>
+                  </a:tcPr>
+                </a:tc>
+                <a:tc>
+                  <a:txBody>
+                    <a:bodyPr/>
+                    <a:p>
+                      <a:pPr algn="ctr">
+                        <a:buNone/>
+                      </a:pPr>
+                      <a:r>
+                        <a:rPr lang="en-US" sz="2000" b="1">
+                          <a:solidFill>
+                            <a:srgbClr val="1C1B10"/>
+                          </a:solidFill>
+                          <a:latin typeface="Calibri" charset="0"/>
+                          <a:cs typeface="Calibri" charset="0"/>
+                        </a:rPr>
+                        <a:t>  A · (B + C) = (A · B) + (A · C)</a:t>
+                      </a:r>
+                      <a:endParaRPr lang="en-US" sz="2000" b="1">
+                        <a:solidFill>
+                          <a:srgbClr val="1C1B10"/>
+                        </a:solidFill>
+                        <a:latin typeface="Calibri" charset="0"/>
+                        <a:ea typeface="Calibri" charset="0"/>
+                        <a:cs typeface="Calibri" charset="0"/>
+                      </a:endParaRPr>
+                    </a:p>
+                  </a:txBody>
+                  <a:tcPr marL="9525" marR="9525" marT="9525" marB="9525" vert="horz" anchor="ctr">
+                    <a:lnL w="12700" cap="flat" cmpd="sng">
+                      <a:solidFill>
+                        <a:srgbClr val="080000"/>
+                      </a:solidFill>
+                      <a:prstDash val="solid"/>
+                      <a:headEnd type="none" w="med" len="med"/>
+                      <a:tailEnd type="none" w="med" len="med"/>
+                    </a:lnL>
+                    <a:lnR w="12700" cap="flat" cmpd="sng">
+                      <a:solidFill>
+                        <a:srgbClr val="080000"/>
+                      </a:solidFill>
+                      <a:prstDash val="solid"/>
+                      <a:headEnd type="none" w="med" len="med"/>
+                      <a:tailEnd type="none" w="med" len="med"/>
+                    </a:lnR>
+                    <a:lnT w="12700" cap="flat" cmpd="sng">
+                      <a:solidFill>
+                        <a:srgbClr val="080000"/>
+                      </a:solidFill>
+                      <a:prstDash val="solid"/>
+                      <a:headEnd type="none" w="med" len="med"/>
+                      <a:tailEnd type="none" w="med" len="med"/>
+                    </a:lnT>
+                    <a:lnB w="12700" cap="flat" cmpd="sng">
+                      <a:solidFill>
+                        <a:srgbClr val="080000"/>
+                      </a:solidFill>
+                      <a:prstDash val="solid"/>
+                      <a:headEnd type="none" w="med" len="med"/>
+                      <a:tailEnd type="none" w="med" len="med"/>
+                    </a:lnB>
+                    <a:lnTlToBr>
+                      <a:noFill/>
+                    </a:lnTlToBr>
+                    <a:lnBlToTr>
+                      <a:noFill/>
+                    </a:lnBlToTr>
+                    <a:noFill/>
+                  </a:tcPr>
+                </a:tc>
+                <a:tc>
+                  <a:txBody>
+                    <a:bodyPr/>
+                    <a:p>
+                      <a:pPr algn="ctr">
+                        <a:buNone/>
+                      </a:pPr>
+                      <a:r>
+                        <a:rPr lang="en-US" sz="2000" b="1">
+                          <a:solidFill>
+                            <a:srgbClr val="1C1B10"/>
+                          </a:solidFill>
+                          <a:latin typeface="Calibri" charset="0"/>
+                          <a:cs typeface="Calibri" charset="0"/>
+                        </a:rPr>
+                        <a:t>distributive law</a:t>
+                      </a:r>
+                      <a:endParaRPr lang="en-US" sz="2000" b="1">
+                        <a:solidFill>
+                          <a:srgbClr val="1C1B10"/>
+                        </a:solidFill>
+                        <a:latin typeface="Calibri" charset="0"/>
+                        <a:ea typeface="Calibri" charset="0"/>
+                        <a:cs typeface="Calibri" charset="0"/>
+                      </a:endParaRPr>
+                    </a:p>
+                  </a:txBody>
+                  <a:tcPr marL="9525" marR="9525" marT="9525" marB="9525" vert="horz" anchor="ctr">
+                    <a:lnL w="12700" cap="flat" cmpd="sng">
+                      <a:solidFill>
+                        <a:srgbClr val="080000"/>
+                      </a:solidFill>
+                      <a:prstDash val="solid"/>
+                      <a:headEnd type="none" w="med" len="med"/>
+                      <a:tailEnd type="none" w="med" len="med"/>
+                    </a:lnL>
+                    <a:lnR w="12700" cap="flat" cmpd="sng">
+                      <a:solidFill>
+                        <a:srgbClr val="080000"/>
+                      </a:solidFill>
+                      <a:prstDash val="solid"/>
+                      <a:headEnd type="none" w="med" len="med"/>
+                      <a:tailEnd type="none" w="med" len="med"/>
+                    </a:lnR>
+                    <a:lnT w="12700" cap="flat" cmpd="sng">
+                      <a:solidFill>
+                        <a:srgbClr val="080000"/>
+                      </a:solidFill>
+                      <a:prstDash val="solid"/>
+                      <a:headEnd type="none" w="med" len="med"/>
+                      <a:tailEnd type="none" w="med" len="med"/>
+                    </a:lnT>
+                    <a:lnB w="12700" cap="flat" cmpd="sng">
+                      <a:solidFill>
+                        <a:srgbClr val="080000"/>
+                      </a:solidFill>
+                      <a:prstDash val="solid"/>
+                      <a:headEnd type="none" w="med" len="med"/>
+                      <a:tailEnd type="none" w="med" len="med"/>
+                    </a:lnB>
+                    <a:lnTlToBr>
+                      <a:noFill/>
+                    </a:lnTlToBr>
+                    <a:lnBlToTr>
+                      <a:noFill/>
+                    </a:lnBlToTr>
+                    <a:noFill/>
+                  </a:tcPr>
+                </a:tc>
+              </a:tr>
+            </a:tbl>
+          </a:graphicData>
+        </a:graphic>
+      </p:graphicFrame>
     </p:spTree>
   </p:cSld>
   <p:clrMapOvr>
@@ -4499,6 +5916,2136 @@
 </file>
 
 <file path=ppt/slides/slide6.xml><?xml version="1.0" encoding="utf-8"?>
+<p:sld xmlns:a="http://schemas.openxmlformats.org/drawingml/2006/main" xmlns:r="http://schemas.openxmlformats.org/officeDocument/2006/relationships" xmlns:p="http://schemas.openxmlformats.org/presentationml/2006/main">
+  <p:cSld>
+    <p:spTree>
+      <p:nvGrpSpPr>
+        <p:cNvPr id="1" name=""/>
+        <p:cNvGrpSpPr/>
+        <p:nvPr/>
+      </p:nvGrpSpPr>
+      <p:grpSpPr/>
+      <p:pic>
+        <p:nvPicPr>
+          <p:cNvPr id="5" name="Picture 4" descr="United TrusT Logo"/>
+          <p:cNvPicPr>
+            <a:picLocks noChangeAspect="1"/>
+          </p:cNvPicPr>
+          <p:nvPr/>
+        </p:nvPicPr>
+        <p:blipFill>
+          <a:blip r:embed="rId1"/>
+          <a:stretch>
+            <a:fillRect/>
+          </a:stretch>
+        </p:blipFill>
+        <p:spPr>
+          <a:xfrm>
+            <a:off x="108585" y="6128385"/>
+            <a:ext cx="1650365" cy="634365"/>
+          </a:xfrm>
+          <a:prstGeom prst="rect">
+            <a:avLst/>
+          </a:prstGeom>
+        </p:spPr>
+      </p:pic>
+      <p:pic>
+        <p:nvPicPr>
+          <p:cNvPr id="6" name="Picture 5" descr="bdedu_logo"/>
+          <p:cNvPicPr>
+            <a:picLocks noChangeAspect="1"/>
+          </p:cNvPicPr>
+          <p:nvPr/>
+        </p:nvPicPr>
+        <p:blipFill>
+          <a:blip r:embed="rId2"/>
+          <a:stretch>
+            <a:fillRect/>
+          </a:stretch>
+        </p:blipFill>
+        <p:spPr>
+          <a:xfrm>
+            <a:off x="9440545" y="6061710"/>
+            <a:ext cx="2693670" cy="701040"/>
+          </a:xfrm>
+          <a:prstGeom prst="rect">
+            <a:avLst/>
+          </a:prstGeom>
+        </p:spPr>
+      </p:pic>
+      <p:sp>
+        <p:nvSpPr>
+          <p:cNvPr id="10" name="Freeform 9"/>
+          <p:cNvSpPr/>
+          <p:nvPr/>
+        </p:nvSpPr>
+        <p:spPr>
+          <a:xfrm>
+            <a:off x="440690" y="120650"/>
+            <a:ext cx="9353550" cy="1162050"/>
+          </a:xfrm>
+          <a:custGeom>
+            <a:avLst/>
+            <a:gdLst>
+              <a:gd name="connsiteX0" fmla="*/ 0 w 14730"/>
+              <a:gd name="connsiteY0" fmla="*/ 0 h 1830"/>
+              <a:gd name="connsiteX1" fmla="*/ 13869 w 14730"/>
+              <a:gd name="connsiteY1" fmla="*/ 60 h 1830"/>
+              <a:gd name="connsiteX2" fmla="*/ 14730 w 14730"/>
+              <a:gd name="connsiteY2" fmla="*/ 1830 h 1830"/>
+              <a:gd name="connsiteX3" fmla="*/ 0 w 14730"/>
+              <a:gd name="connsiteY3" fmla="*/ 1830 h 1830"/>
+              <a:gd name="connsiteX4" fmla="*/ 0 w 14730"/>
+              <a:gd name="connsiteY4" fmla="*/ 0 h 1830"/>
+            </a:gdLst>
+            <a:ahLst/>
+            <a:cxnLst>
+              <a:cxn ang="0">
+                <a:pos x="connsiteX0" y="connsiteY0"/>
+              </a:cxn>
+              <a:cxn ang="0">
+                <a:pos x="connsiteX1" y="connsiteY1"/>
+              </a:cxn>
+              <a:cxn ang="0">
+                <a:pos x="connsiteX2" y="connsiteY2"/>
+              </a:cxn>
+              <a:cxn ang="0">
+                <a:pos x="connsiteX3" y="connsiteY3"/>
+              </a:cxn>
+              <a:cxn ang="0">
+                <a:pos x="connsiteX4" y="connsiteY4"/>
+              </a:cxn>
+            </a:cxnLst>
+            <a:rect l="l" t="t" r="r" b="b"/>
+            <a:pathLst>
+              <a:path w="14730" h="1830">
+                <a:moveTo>
+                  <a:pt x="0" y="0"/>
+                </a:moveTo>
+                <a:lnTo>
+                  <a:pt x="13869" y="60"/>
+                </a:lnTo>
+                <a:lnTo>
+                  <a:pt x="14730" y="1830"/>
+                </a:lnTo>
+                <a:lnTo>
+                  <a:pt x="0" y="1830"/>
+                </a:lnTo>
+                <a:lnTo>
+                  <a:pt x="0" y="0"/>
+                </a:lnTo>
+                <a:close/>
+              </a:path>
+            </a:pathLst>
+          </a:custGeom>
+          <a:solidFill>
+            <a:schemeClr val="tx2">
+              <a:lumMod val="75000"/>
+              <a:lumOff val="25000"/>
+            </a:schemeClr>
+          </a:solidFill>
+          <a:ln>
+            <a:solidFill>
+              <a:schemeClr val="bg1">
+                <a:alpha val="88000"/>
+              </a:schemeClr>
+            </a:solidFill>
+          </a:ln>
+        </p:spPr>
+        <p:style>
+          <a:lnRef idx="2">
+            <a:schemeClr val="accent1">
+              <a:shade val="50000"/>
+            </a:schemeClr>
+          </a:lnRef>
+          <a:fillRef idx="1">
+            <a:schemeClr val="accent1"/>
+          </a:fillRef>
+          <a:effectRef idx="0">
+            <a:schemeClr val="accent1"/>
+          </a:effectRef>
+          <a:fontRef idx="minor">
+            <a:schemeClr val="lt1"/>
+          </a:fontRef>
+        </p:style>
+        <p:txBody>
+          <a:bodyPr rtlCol="0" anchor="ctr"/>
+          <a:p>
+            <a:pPr algn="ctr"/>
+            <a:endParaRPr lang="en-US"/>
+          </a:p>
+        </p:txBody>
+      </p:sp>
+      <p:sp>
+        <p:nvSpPr>
+          <p:cNvPr id="8" name="Text Box 7"/>
+          <p:cNvSpPr txBox="1"/>
+          <p:nvPr/>
+        </p:nvSpPr>
+        <p:spPr>
+          <a:xfrm>
+            <a:off x="1675130" y="354330"/>
+            <a:ext cx="7353300" cy="768350"/>
+          </a:xfrm>
+          <a:prstGeom prst="rect">
+            <a:avLst/>
+          </a:prstGeom>
+          <a:noFill/>
+        </p:spPr>
+        <p:txBody>
+          <a:bodyPr wrap="square" rtlCol="0">
+            <a:spAutoFit/>
+          </a:bodyPr>
+          <a:p>
+            <a:r>
+              <a:rPr lang="en-US" altLang="en-US" sz="4400" b="1">
+                <a:ln w="10160">
+                  <a:solidFill>
+                    <a:schemeClr val="accent5"/>
+                  </a:solidFill>
+                  <a:prstDash val="solid"/>
+                </a:ln>
+                <a:solidFill>
+                  <a:srgbClr val="FFFFFF"/>
+                </a:solidFill>
+                <a:effectLst>
+                  <a:outerShdw blurRad="38100" dist="22860" dir="5400000" algn="tl" rotWithShape="0">
+                    <a:srgbClr val="000000">
+                      <a:alpha val="30000"/>
+                    </a:srgbClr>
+                  </a:outerShdw>
+                </a:effectLst>
+                <a:latin typeface="Tibetan Machine Uni" panose="01000503020000020002" charset="0"/>
+                <a:cs typeface="Tibetan Machine Uni" panose="01000503020000020002" charset="0"/>
+              </a:rPr>
+              <a:t>Boolean Algebra</a:t>
+            </a:r>
+            <a:endParaRPr lang="en-US" altLang="en-US" sz="4400" b="1">
+              <a:ln w="10160">
+                <a:solidFill>
+                  <a:schemeClr val="accent5"/>
+                </a:solidFill>
+                <a:prstDash val="solid"/>
+              </a:ln>
+              <a:solidFill>
+                <a:srgbClr val="FFFFFF"/>
+              </a:solidFill>
+              <a:effectLst>
+                <a:outerShdw blurRad="38100" dist="22860" dir="5400000" algn="tl" rotWithShape="0">
+                  <a:srgbClr val="000000">
+                    <a:alpha val="30000"/>
+                  </a:srgbClr>
+                </a:outerShdw>
+              </a:effectLst>
+              <a:latin typeface="Tibetan Machine Uni" panose="01000503020000020002" charset="0"/>
+              <a:cs typeface="Tibetan Machine Uni" panose="01000503020000020002" charset="0"/>
+            </a:endParaRPr>
+          </a:p>
+        </p:txBody>
+      </p:sp>
+      <p:graphicFrame>
+        <p:nvGraphicFramePr>
+          <p:cNvPr id="3" name="Table 2"/>
+          <p:cNvGraphicFramePr/>
+          <p:nvPr/>
+        </p:nvGraphicFramePr>
+        <p:xfrm>
+          <a:off x="930910" y="1960245"/>
+          <a:ext cx="9862820" cy="3600450"/>
+        </p:xfrm>
+        <a:graphic>
+          <a:graphicData uri="http://schemas.openxmlformats.org/drawingml/2006/table">
+            <a:tbl>
+              <a:tblPr firstRow="1" bandRow="1">
+                <a:tableStyleId>{5940675A-B579-460E-94D1-54222C63F5DA}</a:tableStyleId>
+              </a:tblPr>
+              <a:tblGrid>
+                <a:gridCol w="603885"/>
+                <a:gridCol w="4231640"/>
+                <a:gridCol w="2653030"/>
+                <a:gridCol w="2374265"/>
+              </a:tblGrid>
+              <a:tr h="372110">
+                <a:tc>
+                  <a:txBody>
+                    <a:bodyPr/>
+                    <a:p>
+                      <a:pPr algn="ctr">
+                        <a:buNone/>
+                      </a:pPr>
+                      <a:r>
+                        <a:rPr lang="en-US" sz="2000" b="1">
+                          <a:solidFill>
+                            <a:srgbClr val="1C1B10"/>
+                          </a:solidFill>
+                          <a:latin typeface="Calibri" charset="0"/>
+                          <a:cs typeface="Calibri" charset="0"/>
+                        </a:rPr>
+                        <a:t>(6)</a:t>
+                      </a:r>
+                      <a:endParaRPr lang="en-US" sz="2000" b="1">
+                        <a:solidFill>
+                          <a:srgbClr val="1C1B10"/>
+                        </a:solidFill>
+                        <a:latin typeface="Calibri" charset="0"/>
+                        <a:ea typeface="Calibri" charset="0"/>
+                        <a:cs typeface="Calibri" charset="0"/>
+                      </a:endParaRPr>
+                    </a:p>
+                  </a:txBody>
+                  <a:tcPr marL="9525" marR="9525" marT="9525" marB="9525" vert="horz" anchor="ctr">
+                    <a:lnL w="12700" cap="flat" cmpd="sng">
+                      <a:solidFill>
+                        <a:srgbClr val="080000"/>
+                      </a:solidFill>
+                      <a:prstDash val="solid"/>
+                      <a:headEnd type="none" w="med" len="med"/>
+                      <a:tailEnd type="none" w="med" len="med"/>
+                    </a:lnL>
+                    <a:lnR w="12700" cap="flat" cmpd="sng">
+                      <a:solidFill>
+                        <a:srgbClr val="080000"/>
+                      </a:solidFill>
+                      <a:prstDash val="solid"/>
+                      <a:headEnd type="none" w="med" len="med"/>
+                      <a:tailEnd type="none" w="med" len="med"/>
+                    </a:lnR>
+                    <a:lnT w="12700" cap="flat" cmpd="sng">
+                      <a:solidFill>
+                        <a:srgbClr val="080000"/>
+                      </a:solidFill>
+                      <a:prstDash val="solid"/>
+                      <a:headEnd type="none" w="med" len="med"/>
+                      <a:tailEnd type="none" w="med" len="med"/>
+                    </a:lnT>
+                    <a:lnB w="12700" cap="flat" cmpd="sng">
+                      <a:solidFill>
+                        <a:srgbClr val="080000"/>
+                      </a:solidFill>
+                      <a:prstDash val="solid"/>
+                      <a:headEnd type="none" w="med" len="med"/>
+                      <a:tailEnd type="none" w="med" len="med"/>
+                    </a:lnB>
+                    <a:lnTlToBr>
+                      <a:noFill/>
+                    </a:lnTlToBr>
+                    <a:lnBlToTr>
+                      <a:noFill/>
+                    </a:lnBlToTr>
+                    <a:noFill/>
+                  </a:tcPr>
+                </a:tc>
+                <a:tc>
+                  <a:txBody>
+                    <a:bodyPr/>
+                    <a:p>
+                      <a:pPr algn="ctr">
+                        <a:buNone/>
+                      </a:pPr>
+                      <a:r>
+                        <a:rPr lang="en-US" sz="2000" b="1">
+                          <a:solidFill>
+                            <a:srgbClr val="1C1B10"/>
+                          </a:solidFill>
+                          <a:latin typeface="Calibri" charset="0"/>
+                          <a:cs typeface="Calibri" charset="0"/>
+                        </a:rPr>
+                        <a:t>  A + A = A</a:t>
+                      </a:r>
+                      <a:endParaRPr lang="en-US" sz="2000" b="1">
+                        <a:solidFill>
+                          <a:srgbClr val="1C1B10"/>
+                        </a:solidFill>
+                        <a:latin typeface="Calibri" charset="0"/>
+                        <a:ea typeface="Calibri" charset="0"/>
+                        <a:cs typeface="Calibri" charset="0"/>
+                      </a:endParaRPr>
+                    </a:p>
+                  </a:txBody>
+                  <a:tcPr marL="9525" marR="9525" marT="9525" marB="9525" vert="horz" anchor="ctr">
+                    <a:lnL w="12700" cap="flat" cmpd="sng">
+                      <a:solidFill>
+                        <a:srgbClr val="080000"/>
+                      </a:solidFill>
+                      <a:prstDash val="solid"/>
+                      <a:headEnd type="none" w="med" len="med"/>
+                      <a:tailEnd type="none" w="med" len="med"/>
+                    </a:lnL>
+                    <a:lnR w="12700" cap="flat" cmpd="sng">
+                      <a:solidFill>
+                        <a:srgbClr val="080000"/>
+                      </a:solidFill>
+                      <a:prstDash val="solid"/>
+                      <a:headEnd type="none" w="med" len="med"/>
+                      <a:tailEnd type="none" w="med" len="med"/>
+                    </a:lnR>
+                    <a:lnT w="12700" cap="flat" cmpd="sng">
+                      <a:solidFill>
+                        <a:srgbClr val="080000"/>
+                      </a:solidFill>
+                      <a:prstDash val="solid"/>
+                      <a:headEnd type="none" w="med" len="med"/>
+                      <a:tailEnd type="none" w="med" len="med"/>
+                    </a:lnT>
+                    <a:lnB w="12700" cap="flat" cmpd="sng">
+                      <a:solidFill>
+                        <a:srgbClr val="080000"/>
+                      </a:solidFill>
+                      <a:prstDash val="solid"/>
+                      <a:headEnd type="none" w="med" len="med"/>
+                      <a:tailEnd type="none" w="med" len="med"/>
+                    </a:lnB>
+                    <a:lnTlToBr>
+                      <a:noFill/>
+                    </a:lnTlToBr>
+                    <a:lnBlToTr>
+                      <a:noFill/>
+                    </a:lnBlToTr>
+                    <a:noFill/>
+                  </a:tcPr>
+                </a:tc>
+                <a:tc>
+                  <a:txBody>
+                    <a:bodyPr/>
+                    <a:p>
+                      <a:pPr algn="ctr">
+                        <a:buNone/>
+                      </a:pPr>
+                      <a:r>
+                        <a:rPr lang="en-US" sz="2000" b="1">
+                          <a:solidFill>
+                            <a:srgbClr val="1C1B10"/>
+                          </a:solidFill>
+                          <a:latin typeface="Calibri" charset="0"/>
+                          <a:cs typeface="Calibri" charset="0"/>
+                        </a:rPr>
+                        <a:t>  A · A = A</a:t>
+                      </a:r>
+                      <a:endParaRPr lang="en-US" sz="2000" b="1">
+                        <a:solidFill>
+                          <a:srgbClr val="1C1B10"/>
+                        </a:solidFill>
+                        <a:latin typeface="Calibri" charset="0"/>
+                        <a:ea typeface="Calibri" charset="0"/>
+                        <a:cs typeface="Calibri" charset="0"/>
+                      </a:endParaRPr>
+                    </a:p>
+                  </a:txBody>
+                  <a:tcPr marL="9525" marR="9525" marT="9525" marB="9525" vert="horz" anchor="ctr">
+                    <a:lnL w="12700" cap="flat" cmpd="sng">
+                      <a:solidFill>
+                        <a:srgbClr val="080000"/>
+                      </a:solidFill>
+                      <a:prstDash val="solid"/>
+                      <a:headEnd type="none" w="med" len="med"/>
+                      <a:tailEnd type="none" w="med" len="med"/>
+                    </a:lnL>
+                    <a:lnR w="12700" cap="flat" cmpd="sng">
+                      <a:solidFill>
+                        <a:srgbClr val="080000"/>
+                      </a:solidFill>
+                      <a:prstDash val="solid"/>
+                      <a:headEnd type="none" w="med" len="med"/>
+                      <a:tailEnd type="none" w="med" len="med"/>
+                    </a:lnR>
+                    <a:lnT w="12700" cap="flat" cmpd="sng">
+                      <a:solidFill>
+                        <a:srgbClr val="080000"/>
+                      </a:solidFill>
+                      <a:prstDash val="solid"/>
+                      <a:headEnd type="none" w="med" len="med"/>
+                      <a:tailEnd type="none" w="med" len="med"/>
+                    </a:lnT>
+                    <a:lnB w="12700" cap="flat" cmpd="sng">
+                      <a:solidFill>
+                        <a:srgbClr val="080000"/>
+                      </a:solidFill>
+                      <a:prstDash val="solid"/>
+                      <a:headEnd type="none" w="med" len="med"/>
+                      <a:tailEnd type="none" w="med" len="med"/>
+                    </a:lnB>
+                    <a:lnTlToBr>
+                      <a:noFill/>
+                    </a:lnTlToBr>
+                    <a:lnBlToTr>
+                      <a:noFill/>
+                    </a:lnBlToTr>
+                    <a:noFill/>
+                  </a:tcPr>
+                </a:tc>
+                <a:tc>
+                  <a:txBody>
+                    <a:bodyPr/>
+                    <a:p>
+                      <a:pPr algn="ctr">
+                        <a:buNone/>
+                      </a:pPr>
+                      <a:r>
+                        <a:rPr lang="en-US" sz="2000" b="1">
+                          <a:solidFill>
+                            <a:srgbClr val="1C1B10"/>
+                          </a:solidFill>
+                          <a:latin typeface="Calibri" charset="0"/>
+                          <a:cs typeface="Calibri" charset="0"/>
+                        </a:rPr>
+                        <a:t> </a:t>
+                      </a:r>
+                      <a:endParaRPr lang="en-US" sz="2000" b="1">
+                        <a:solidFill>
+                          <a:srgbClr val="1C1B10"/>
+                        </a:solidFill>
+                        <a:latin typeface="Calibri" charset="0"/>
+                        <a:ea typeface="Calibri" charset="0"/>
+                        <a:cs typeface="Calibri" charset="0"/>
+                      </a:endParaRPr>
+                    </a:p>
+                  </a:txBody>
+                  <a:tcPr marL="9525" marR="9525" marT="9525" marB="9525" vert="horz" anchor="ctr">
+                    <a:lnL w="12700" cap="flat" cmpd="sng">
+                      <a:solidFill>
+                        <a:srgbClr val="080000"/>
+                      </a:solidFill>
+                      <a:prstDash val="solid"/>
+                      <a:headEnd type="none" w="med" len="med"/>
+                      <a:tailEnd type="none" w="med" len="med"/>
+                    </a:lnL>
+                    <a:lnR w="12700" cap="flat" cmpd="sng">
+                      <a:solidFill>
+                        <a:srgbClr val="080000"/>
+                      </a:solidFill>
+                      <a:prstDash val="solid"/>
+                      <a:headEnd type="none" w="med" len="med"/>
+                      <a:tailEnd type="none" w="med" len="med"/>
+                    </a:lnR>
+                    <a:lnT w="12700" cap="flat" cmpd="sng">
+                      <a:solidFill>
+                        <a:srgbClr val="080000"/>
+                      </a:solidFill>
+                      <a:prstDash val="solid"/>
+                      <a:headEnd type="none" w="med" len="med"/>
+                      <a:tailEnd type="none" w="med" len="med"/>
+                    </a:lnT>
+                    <a:lnB w="12700" cap="flat" cmpd="sng">
+                      <a:solidFill>
+                        <a:srgbClr val="080000"/>
+                      </a:solidFill>
+                      <a:prstDash val="solid"/>
+                      <a:headEnd type="none" w="med" len="med"/>
+                      <a:tailEnd type="none" w="med" len="med"/>
+                    </a:lnB>
+                    <a:lnTlToBr>
+                      <a:noFill/>
+                    </a:lnTlToBr>
+                    <a:lnBlToTr>
+                      <a:noFill/>
+                    </a:lnBlToTr>
+                    <a:noFill/>
+                  </a:tcPr>
+                </a:tc>
+              </a:tr>
+              <a:tr h="336550">
+                <a:tc>
+                  <a:txBody>
+                    <a:bodyPr/>
+                    <a:p>
+                      <a:pPr algn="ctr">
+                        <a:buNone/>
+                      </a:pPr>
+                      <a:r>
+                        <a:rPr lang="en-US" sz="2000" b="1">
+                          <a:solidFill>
+                            <a:srgbClr val="1C1B10"/>
+                          </a:solidFill>
+                          <a:latin typeface="Calibri" charset="0"/>
+                          <a:cs typeface="Calibri" charset="0"/>
+                        </a:rPr>
+                        <a:t>(7)</a:t>
+                      </a:r>
+                      <a:endParaRPr lang="en-US" sz="2000" b="1">
+                        <a:solidFill>
+                          <a:srgbClr val="1C1B10"/>
+                        </a:solidFill>
+                        <a:latin typeface="Calibri" charset="0"/>
+                        <a:ea typeface="Calibri" charset="0"/>
+                        <a:cs typeface="Calibri" charset="0"/>
+                      </a:endParaRPr>
+                    </a:p>
+                  </a:txBody>
+                  <a:tcPr marL="9525" marR="9525" marT="9525" marB="9525" vert="horz" anchor="ctr">
+                    <a:lnL w="12700" cap="flat" cmpd="sng">
+                      <a:solidFill>
+                        <a:srgbClr val="080000"/>
+                      </a:solidFill>
+                      <a:prstDash val="solid"/>
+                      <a:headEnd type="none" w="med" len="med"/>
+                      <a:tailEnd type="none" w="med" len="med"/>
+                    </a:lnL>
+                    <a:lnR w="12700" cap="flat" cmpd="sng">
+                      <a:solidFill>
+                        <a:srgbClr val="080000"/>
+                      </a:solidFill>
+                      <a:prstDash val="solid"/>
+                      <a:headEnd type="none" w="med" len="med"/>
+                      <a:tailEnd type="none" w="med" len="med"/>
+                    </a:lnR>
+                    <a:lnT w="12700" cap="flat" cmpd="sng">
+                      <a:solidFill>
+                        <a:srgbClr val="080000"/>
+                      </a:solidFill>
+                      <a:prstDash val="solid"/>
+                      <a:headEnd type="none" w="med" len="med"/>
+                      <a:tailEnd type="none" w="med" len="med"/>
+                    </a:lnT>
+                    <a:lnB w="12700" cap="flat" cmpd="sng">
+                      <a:solidFill>
+                        <a:srgbClr val="080000"/>
+                      </a:solidFill>
+                      <a:prstDash val="solid"/>
+                      <a:headEnd type="none" w="med" len="med"/>
+                      <a:tailEnd type="none" w="med" len="med"/>
+                    </a:lnB>
+                    <a:lnTlToBr>
+                      <a:noFill/>
+                    </a:lnTlToBr>
+                    <a:lnBlToTr>
+                      <a:noFill/>
+                    </a:lnBlToTr>
+                    <a:noFill/>
+                  </a:tcPr>
+                </a:tc>
+                <a:tc>
+                  <a:txBody>
+                    <a:bodyPr/>
+                    <a:p>
+                      <a:pPr algn="ctr">
+                        <a:buNone/>
+                      </a:pPr>
+                      <a:r>
+                        <a:rPr lang="en-US" sz="2000" b="1">
+                          <a:solidFill>
+                            <a:srgbClr val="1C1B10"/>
+                          </a:solidFill>
+                          <a:latin typeface="Calibri" charset="0"/>
+                          <a:cs typeface="Calibri" charset="0"/>
+                        </a:rPr>
+                        <a:t>  A + 1 = 1</a:t>
+                      </a:r>
+                      <a:endParaRPr lang="en-US" sz="2000" b="1">
+                        <a:solidFill>
+                          <a:srgbClr val="1C1B10"/>
+                        </a:solidFill>
+                        <a:latin typeface="Calibri" charset="0"/>
+                        <a:ea typeface="Calibri" charset="0"/>
+                        <a:cs typeface="Calibri" charset="0"/>
+                      </a:endParaRPr>
+                    </a:p>
+                  </a:txBody>
+                  <a:tcPr marL="9525" marR="9525" marT="9525" marB="9525" vert="horz" anchor="ctr">
+                    <a:lnL w="12700" cap="flat" cmpd="sng">
+                      <a:solidFill>
+                        <a:srgbClr val="080000"/>
+                      </a:solidFill>
+                      <a:prstDash val="solid"/>
+                      <a:headEnd type="none" w="med" len="med"/>
+                      <a:tailEnd type="none" w="med" len="med"/>
+                    </a:lnL>
+                    <a:lnR w="12700" cap="flat" cmpd="sng">
+                      <a:solidFill>
+                        <a:srgbClr val="080000"/>
+                      </a:solidFill>
+                      <a:prstDash val="solid"/>
+                      <a:headEnd type="none" w="med" len="med"/>
+                      <a:tailEnd type="none" w="med" len="med"/>
+                    </a:lnR>
+                    <a:lnT w="12700" cap="flat" cmpd="sng">
+                      <a:solidFill>
+                        <a:srgbClr val="080000"/>
+                      </a:solidFill>
+                      <a:prstDash val="solid"/>
+                      <a:headEnd type="none" w="med" len="med"/>
+                      <a:tailEnd type="none" w="med" len="med"/>
+                    </a:lnT>
+                    <a:lnB w="12700" cap="flat" cmpd="sng">
+                      <a:solidFill>
+                        <a:srgbClr val="080000"/>
+                      </a:solidFill>
+                      <a:prstDash val="solid"/>
+                      <a:headEnd type="none" w="med" len="med"/>
+                      <a:tailEnd type="none" w="med" len="med"/>
+                    </a:lnB>
+                    <a:lnTlToBr>
+                      <a:noFill/>
+                    </a:lnTlToBr>
+                    <a:lnBlToTr>
+                      <a:noFill/>
+                    </a:lnBlToTr>
+                    <a:noFill/>
+                  </a:tcPr>
+                </a:tc>
+                <a:tc>
+                  <a:txBody>
+                    <a:bodyPr/>
+                    <a:p>
+                      <a:pPr algn="ctr">
+                        <a:buNone/>
+                      </a:pPr>
+                      <a:r>
+                        <a:rPr lang="en-US" sz="2000" b="1">
+                          <a:solidFill>
+                            <a:srgbClr val="1C1B10"/>
+                          </a:solidFill>
+                          <a:latin typeface="Calibri" charset="0"/>
+                          <a:cs typeface="Calibri" charset="0"/>
+                        </a:rPr>
+                        <a:t>  A · 0 = 0</a:t>
+                      </a:r>
+                      <a:endParaRPr lang="en-US" sz="2000" b="1">
+                        <a:solidFill>
+                          <a:srgbClr val="1C1B10"/>
+                        </a:solidFill>
+                        <a:latin typeface="Calibri" charset="0"/>
+                        <a:ea typeface="Calibri" charset="0"/>
+                        <a:cs typeface="Calibri" charset="0"/>
+                      </a:endParaRPr>
+                    </a:p>
+                  </a:txBody>
+                  <a:tcPr marL="9525" marR="9525" marT="9525" marB="9525" vert="horz" anchor="ctr">
+                    <a:lnL w="12700" cap="flat" cmpd="sng">
+                      <a:solidFill>
+                        <a:srgbClr val="080000"/>
+                      </a:solidFill>
+                      <a:prstDash val="solid"/>
+                      <a:headEnd type="none" w="med" len="med"/>
+                      <a:tailEnd type="none" w="med" len="med"/>
+                    </a:lnL>
+                    <a:lnR w="12700" cap="flat" cmpd="sng">
+                      <a:solidFill>
+                        <a:srgbClr val="080000"/>
+                      </a:solidFill>
+                      <a:prstDash val="solid"/>
+                      <a:headEnd type="none" w="med" len="med"/>
+                      <a:tailEnd type="none" w="med" len="med"/>
+                    </a:lnR>
+                    <a:lnT w="12700" cap="flat" cmpd="sng">
+                      <a:solidFill>
+                        <a:srgbClr val="080000"/>
+                      </a:solidFill>
+                      <a:prstDash val="solid"/>
+                      <a:headEnd type="none" w="med" len="med"/>
+                      <a:tailEnd type="none" w="med" len="med"/>
+                    </a:lnT>
+                    <a:lnB w="12700" cap="flat" cmpd="sng">
+                      <a:solidFill>
+                        <a:srgbClr val="080000"/>
+                      </a:solidFill>
+                      <a:prstDash val="solid"/>
+                      <a:headEnd type="none" w="med" len="med"/>
+                      <a:tailEnd type="none" w="med" len="med"/>
+                    </a:lnB>
+                    <a:lnTlToBr>
+                      <a:noFill/>
+                    </a:lnTlToBr>
+                    <a:lnBlToTr>
+                      <a:noFill/>
+                    </a:lnBlToTr>
+                    <a:noFill/>
+                  </a:tcPr>
+                </a:tc>
+                <a:tc>
+                  <a:txBody>
+                    <a:bodyPr/>
+                    <a:p>
+                      <a:pPr algn="ctr">
+                        <a:buNone/>
+                      </a:pPr>
+                      <a:r>
+                        <a:rPr lang="en-US" sz="2000" b="1">
+                          <a:solidFill>
+                            <a:srgbClr val="1C1B10"/>
+                          </a:solidFill>
+                          <a:latin typeface="Calibri" charset="0"/>
+                          <a:cs typeface="Calibri" charset="0"/>
+                        </a:rPr>
+                        <a:t> </a:t>
+                      </a:r>
+                      <a:endParaRPr lang="en-US" sz="2000" b="1">
+                        <a:solidFill>
+                          <a:srgbClr val="1C1B10"/>
+                        </a:solidFill>
+                        <a:latin typeface="Calibri" charset="0"/>
+                        <a:ea typeface="Calibri" charset="0"/>
+                        <a:cs typeface="Calibri" charset="0"/>
+                      </a:endParaRPr>
+                    </a:p>
+                  </a:txBody>
+                  <a:tcPr marL="9525" marR="9525" marT="9525" marB="9525" vert="horz" anchor="ctr">
+                    <a:lnL w="12700" cap="flat" cmpd="sng">
+                      <a:solidFill>
+                        <a:srgbClr val="080000"/>
+                      </a:solidFill>
+                      <a:prstDash val="solid"/>
+                      <a:headEnd type="none" w="med" len="med"/>
+                      <a:tailEnd type="none" w="med" len="med"/>
+                    </a:lnL>
+                    <a:lnR w="12700" cap="flat" cmpd="sng">
+                      <a:solidFill>
+                        <a:srgbClr val="080000"/>
+                      </a:solidFill>
+                      <a:prstDash val="solid"/>
+                      <a:headEnd type="none" w="med" len="med"/>
+                      <a:tailEnd type="none" w="med" len="med"/>
+                    </a:lnR>
+                    <a:lnT w="12700" cap="flat" cmpd="sng">
+                      <a:solidFill>
+                        <a:srgbClr val="080000"/>
+                      </a:solidFill>
+                      <a:prstDash val="solid"/>
+                      <a:headEnd type="none" w="med" len="med"/>
+                      <a:tailEnd type="none" w="med" len="med"/>
+                    </a:lnT>
+                    <a:lnB w="12700" cap="flat" cmpd="sng">
+                      <a:solidFill>
+                        <a:srgbClr val="080000"/>
+                      </a:solidFill>
+                      <a:prstDash val="solid"/>
+                      <a:headEnd type="none" w="med" len="med"/>
+                      <a:tailEnd type="none" w="med" len="med"/>
+                    </a:lnB>
+                    <a:lnTlToBr>
+                      <a:noFill/>
+                    </a:lnTlToBr>
+                    <a:lnBlToTr>
+                      <a:noFill/>
+                    </a:lnBlToTr>
+                    <a:noFill/>
+                  </a:tcPr>
+                </a:tc>
+              </a:tr>
+              <a:tr h="644525">
+                <a:tc>
+                  <a:txBody>
+                    <a:bodyPr/>
+                    <a:p>
+                      <a:pPr algn="ctr">
+                        <a:buNone/>
+                      </a:pPr>
+                      <a:r>
+                        <a:rPr lang="en-US" sz="2000" b="1">
+                          <a:solidFill>
+                            <a:srgbClr val="1C1B10"/>
+                          </a:solidFill>
+                          <a:latin typeface="Calibri" charset="0"/>
+                          <a:cs typeface="Calibri" charset="0"/>
+                        </a:rPr>
+                        <a:t>(8)</a:t>
+                      </a:r>
+                      <a:endParaRPr lang="en-US" sz="2000" b="1">
+                        <a:solidFill>
+                          <a:srgbClr val="1C1B10"/>
+                        </a:solidFill>
+                        <a:latin typeface="Calibri" charset="0"/>
+                        <a:ea typeface="Calibri" charset="0"/>
+                        <a:cs typeface="Calibri" charset="0"/>
+                      </a:endParaRPr>
+                    </a:p>
+                  </a:txBody>
+                  <a:tcPr marL="9525" marR="9525" marT="9525" marB="9525" vert="horz" anchor="ctr">
+                    <a:lnL w="12700" cap="flat" cmpd="sng">
+                      <a:solidFill>
+                        <a:srgbClr val="080000"/>
+                      </a:solidFill>
+                      <a:prstDash val="solid"/>
+                      <a:headEnd type="none" w="med" len="med"/>
+                      <a:tailEnd type="none" w="med" len="med"/>
+                    </a:lnL>
+                    <a:lnR w="12700" cap="flat" cmpd="sng">
+                      <a:solidFill>
+                        <a:srgbClr val="080000"/>
+                      </a:solidFill>
+                      <a:prstDash val="solid"/>
+                      <a:headEnd type="none" w="med" len="med"/>
+                      <a:tailEnd type="none" w="med" len="med"/>
+                    </a:lnR>
+                    <a:lnT w="12700" cap="flat" cmpd="sng">
+                      <a:solidFill>
+                        <a:srgbClr val="080000"/>
+                      </a:solidFill>
+                      <a:prstDash val="solid"/>
+                      <a:headEnd type="none" w="med" len="med"/>
+                      <a:tailEnd type="none" w="med" len="med"/>
+                    </a:lnT>
+                    <a:lnB w="12700" cap="flat" cmpd="sng">
+                      <a:solidFill>
+                        <a:srgbClr val="080000"/>
+                      </a:solidFill>
+                      <a:prstDash val="solid"/>
+                      <a:headEnd type="none" w="med" len="med"/>
+                      <a:tailEnd type="none" w="med" len="med"/>
+                    </a:lnB>
+                    <a:lnTlToBr>
+                      <a:noFill/>
+                    </a:lnTlToBr>
+                    <a:lnBlToTr>
+                      <a:noFill/>
+                    </a:lnBlToTr>
+                    <a:noFill/>
+                  </a:tcPr>
+                </a:tc>
+                <a:tc>
+                  <a:txBody>
+                    <a:bodyPr/>
+                    <a:p>
+                      <a:pPr algn="ctr">
+                        <a:buNone/>
+                      </a:pPr>
+                      <a:r>
+                        <a:rPr lang="en-US" sz="2000" b="1">
+                          <a:solidFill>
+                            <a:srgbClr val="1C1B10"/>
+                          </a:solidFill>
+                          <a:latin typeface="Calibri" charset="0"/>
+                          <a:cs typeface="Calibri" charset="0"/>
+                        </a:rPr>
+                        <a:t>  A + (A · B) = A</a:t>
+                      </a:r>
+                      <a:endParaRPr lang="en-US" sz="2000" b="1">
+                        <a:solidFill>
+                          <a:srgbClr val="1C1B10"/>
+                        </a:solidFill>
+                        <a:latin typeface="Calibri" charset="0"/>
+                        <a:ea typeface="Calibri" charset="0"/>
+                        <a:cs typeface="Calibri" charset="0"/>
+                      </a:endParaRPr>
+                    </a:p>
+                  </a:txBody>
+                  <a:tcPr marL="9525" marR="9525" marT="9525" marB="9525" vert="horz" anchor="ctr">
+                    <a:lnL w="12700" cap="flat" cmpd="sng">
+                      <a:solidFill>
+                        <a:srgbClr val="080000"/>
+                      </a:solidFill>
+                      <a:prstDash val="solid"/>
+                      <a:headEnd type="none" w="med" len="med"/>
+                      <a:tailEnd type="none" w="med" len="med"/>
+                    </a:lnL>
+                    <a:lnR w="12700" cap="flat" cmpd="sng">
+                      <a:solidFill>
+                        <a:srgbClr val="080000"/>
+                      </a:solidFill>
+                      <a:prstDash val="solid"/>
+                      <a:headEnd type="none" w="med" len="med"/>
+                      <a:tailEnd type="none" w="med" len="med"/>
+                    </a:lnR>
+                    <a:lnT w="12700" cap="flat" cmpd="sng">
+                      <a:solidFill>
+                        <a:srgbClr val="080000"/>
+                      </a:solidFill>
+                      <a:prstDash val="solid"/>
+                      <a:headEnd type="none" w="med" len="med"/>
+                      <a:tailEnd type="none" w="med" len="med"/>
+                    </a:lnT>
+                    <a:lnB w="12700" cap="flat" cmpd="sng">
+                      <a:solidFill>
+                        <a:srgbClr val="080000"/>
+                      </a:solidFill>
+                      <a:prstDash val="solid"/>
+                      <a:headEnd type="none" w="med" len="med"/>
+                      <a:tailEnd type="none" w="med" len="med"/>
+                    </a:lnB>
+                    <a:lnTlToBr>
+                      <a:noFill/>
+                    </a:lnTlToBr>
+                    <a:lnBlToTr>
+                      <a:noFill/>
+                    </a:lnBlToTr>
+                    <a:noFill/>
+                  </a:tcPr>
+                </a:tc>
+                <a:tc>
+                  <a:txBody>
+                    <a:bodyPr/>
+                    <a:p>
+                      <a:pPr algn="ctr">
+                        <a:buNone/>
+                      </a:pPr>
+                      <a:r>
+                        <a:rPr lang="en-US" sz="2000" b="1">
+                          <a:solidFill>
+                            <a:srgbClr val="1C1B10"/>
+                          </a:solidFill>
+                          <a:latin typeface="Calibri" charset="0"/>
+                          <a:cs typeface="Calibri" charset="0"/>
+                        </a:rPr>
+                        <a:t>  A · ( A + B) = A</a:t>
+                      </a:r>
+                      <a:endParaRPr lang="en-US" sz="2000" b="1">
+                        <a:solidFill>
+                          <a:srgbClr val="1C1B10"/>
+                        </a:solidFill>
+                        <a:latin typeface="Calibri" charset="0"/>
+                        <a:ea typeface="Calibri" charset="0"/>
+                        <a:cs typeface="Calibri" charset="0"/>
+                      </a:endParaRPr>
+                    </a:p>
+                  </a:txBody>
+                  <a:tcPr marL="9525" marR="9525" marT="9525" marB="9525" vert="horz" anchor="ctr">
+                    <a:lnL w="12700" cap="flat" cmpd="sng">
+                      <a:solidFill>
+                        <a:srgbClr val="080000"/>
+                      </a:solidFill>
+                      <a:prstDash val="solid"/>
+                      <a:headEnd type="none" w="med" len="med"/>
+                      <a:tailEnd type="none" w="med" len="med"/>
+                    </a:lnL>
+                    <a:lnR w="12700" cap="flat" cmpd="sng">
+                      <a:solidFill>
+                        <a:srgbClr val="080000"/>
+                      </a:solidFill>
+                      <a:prstDash val="solid"/>
+                      <a:headEnd type="none" w="med" len="med"/>
+                      <a:tailEnd type="none" w="med" len="med"/>
+                    </a:lnR>
+                    <a:lnT w="12700" cap="flat" cmpd="sng">
+                      <a:solidFill>
+                        <a:srgbClr val="080000"/>
+                      </a:solidFill>
+                      <a:prstDash val="solid"/>
+                      <a:headEnd type="none" w="med" len="med"/>
+                      <a:tailEnd type="none" w="med" len="med"/>
+                    </a:lnT>
+                    <a:lnB w="12700" cap="flat" cmpd="sng">
+                      <a:solidFill>
+                        <a:srgbClr val="080000"/>
+                      </a:solidFill>
+                      <a:prstDash val="solid"/>
+                      <a:headEnd type="none" w="med" len="med"/>
+                      <a:tailEnd type="none" w="med" len="med"/>
+                    </a:lnB>
+                    <a:lnTlToBr>
+                      <a:noFill/>
+                    </a:lnTlToBr>
+                    <a:lnBlToTr>
+                      <a:noFill/>
+                    </a:lnBlToTr>
+                    <a:noFill/>
+                  </a:tcPr>
+                </a:tc>
+                <a:tc>
+                  <a:txBody>
+                    <a:bodyPr/>
+                    <a:p>
+                      <a:pPr algn="ctr">
+                        <a:buNone/>
+                      </a:pPr>
+                      <a:r>
+                        <a:rPr lang="en-US" sz="2000" b="1">
+                          <a:solidFill>
+                            <a:srgbClr val="1C1B10"/>
+                          </a:solidFill>
+                          <a:latin typeface="Calibri" charset="0"/>
+                          <a:cs typeface="Calibri" charset="0"/>
+                        </a:rPr>
+                        <a:t> </a:t>
+                      </a:r>
+                      <a:endParaRPr lang="en-US" sz="2000" b="1">
+                        <a:solidFill>
+                          <a:srgbClr val="1C1B10"/>
+                        </a:solidFill>
+                        <a:latin typeface="Calibri" charset="0"/>
+                        <a:ea typeface="Calibri" charset="0"/>
+                        <a:cs typeface="Calibri" charset="0"/>
+                      </a:endParaRPr>
+                    </a:p>
+                  </a:txBody>
+                  <a:tcPr marL="9525" marR="9525" marT="9525" marB="9525" vert="horz" anchor="ctr">
+                    <a:lnL w="12700" cap="flat" cmpd="sng">
+                      <a:solidFill>
+                        <a:srgbClr val="080000"/>
+                      </a:solidFill>
+                      <a:prstDash val="solid"/>
+                      <a:headEnd type="none" w="med" len="med"/>
+                      <a:tailEnd type="none" w="med" len="med"/>
+                    </a:lnL>
+                    <a:lnR w="12700" cap="flat" cmpd="sng">
+                      <a:solidFill>
+                        <a:srgbClr val="080000"/>
+                      </a:solidFill>
+                      <a:prstDash val="solid"/>
+                      <a:headEnd type="none" w="med" len="med"/>
+                      <a:tailEnd type="none" w="med" len="med"/>
+                    </a:lnR>
+                    <a:lnT w="12700" cap="flat" cmpd="sng">
+                      <a:solidFill>
+                        <a:srgbClr val="080000"/>
+                      </a:solidFill>
+                      <a:prstDash val="solid"/>
+                      <a:headEnd type="none" w="med" len="med"/>
+                      <a:tailEnd type="none" w="med" len="med"/>
+                    </a:lnT>
+                    <a:lnB w="12700" cap="flat" cmpd="sng">
+                      <a:solidFill>
+                        <a:srgbClr val="080000"/>
+                      </a:solidFill>
+                      <a:prstDash val="solid"/>
+                      <a:headEnd type="none" w="med" len="med"/>
+                      <a:tailEnd type="none" w="med" len="med"/>
+                    </a:lnB>
+                    <a:lnTlToBr>
+                      <a:noFill/>
+                    </a:lnTlToBr>
+                    <a:lnBlToTr>
+                      <a:noFill/>
+                    </a:lnBlToTr>
+                    <a:noFill/>
+                  </a:tcPr>
+                </a:tc>
+              </a:tr>
+              <a:tr h="645160">
+                <a:tc>
+                  <a:txBody>
+                    <a:bodyPr/>
+                    <a:p>
+                      <a:pPr algn="ctr">
+                        <a:buNone/>
+                      </a:pPr>
+                      <a:r>
+                        <a:rPr lang="en-US" sz="2000" b="1">
+                          <a:solidFill>
+                            <a:srgbClr val="1C1B10"/>
+                          </a:solidFill>
+                          <a:latin typeface="Calibri" charset="0"/>
+                          <a:cs typeface="Calibri" charset="0"/>
+                        </a:rPr>
+                        <a:t>(9)</a:t>
+                      </a:r>
+                      <a:endParaRPr lang="en-US" sz="2000" b="1">
+                        <a:solidFill>
+                          <a:srgbClr val="1C1B10"/>
+                        </a:solidFill>
+                        <a:latin typeface="Calibri" charset="0"/>
+                        <a:ea typeface="Calibri" charset="0"/>
+                        <a:cs typeface="Calibri" charset="0"/>
+                      </a:endParaRPr>
+                    </a:p>
+                  </a:txBody>
+                  <a:tcPr marL="9525" marR="9525" marT="9525" marB="9525" vert="horz" anchor="ctr">
+                    <a:lnL w="12700" cap="flat" cmpd="sng">
+                      <a:solidFill>
+                        <a:srgbClr val="080000"/>
+                      </a:solidFill>
+                      <a:prstDash val="solid"/>
+                      <a:headEnd type="none" w="med" len="med"/>
+                      <a:tailEnd type="none" w="med" len="med"/>
+                    </a:lnL>
+                    <a:lnR w="12700" cap="flat" cmpd="sng">
+                      <a:solidFill>
+                        <a:srgbClr val="080000"/>
+                      </a:solidFill>
+                      <a:prstDash val="solid"/>
+                      <a:headEnd type="none" w="med" len="med"/>
+                      <a:tailEnd type="none" w="med" len="med"/>
+                    </a:lnR>
+                    <a:lnT w="12700" cap="flat" cmpd="sng">
+                      <a:solidFill>
+                        <a:srgbClr val="080000"/>
+                      </a:solidFill>
+                      <a:prstDash val="solid"/>
+                      <a:headEnd type="none" w="med" len="med"/>
+                      <a:tailEnd type="none" w="med" len="med"/>
+                    </a:lnT>
+                    <a:lnB w="12700" cap="flat" cmpd="sng">
+                      <a:solidFill>
+                        <a:srgbClr val="080000"/>
+                      </a:solidFill>
+                      <a:prstDash val="solid"/>
+                      <a:headEnd type="none" w="med" len="med"/>
+                      <a:tailEnd type="none" w="med" len="med"/>
+                    </a:lnB>
+                    <a:lnTlToBr>
+                      <a:noFill/>
+                    </a:lnTlToBr>
+                    <a:lnBlToTr>
+                      <a:noFill/>
+                    </a:lnBlToTr>
+                    <a:noFill/>
+                  </a:tcPr>
+                </a:tc>
+                <a:tc>
+                  <a:txBody>
+                    <a:bodyPr/>
+                    <a:p>
+                      <a:pPr algn="ctr">
+                        <a:buNone/>
+                      </a:pPr>
+                      <a:r>
+                        <a:rPr lang="en-US" sz="2000" b="1">
+                          <a:solidFill>
+                            <a:srgbClr val="1C1B10"/>
+                          </a:solidFill>
+                          <a:latin typeface="Calibri" charset="0"/>
+                          <a:cs typeface="Calibri" charset="0"/>
+                        </a:rPr>
+                        <a:t>  A + (</a:t>
+                      </a:r>
+                      <a:r>
+                        <a:rPr lang="en-US" sz="2000" b="1" baseline="30000">
+                          <a:solidFill>
+                            <a:srgbClr val="1C1B10"/>
+                          </a:solidFill>
+                          <a:latin typeface="Calibri" charset="0"/>
+                          <a:cs typeface="Calibri" charset="0"/>
+                        </a:rPr>
+                        <a:t>NOT</a:t>
+                      </a:r>
+                      <a:r>
+                        <a:rPr lang="en-US" sz="2000" b="1">
+                          <a:solidFill>
+                            <a:srgbClr val="1C1B10"/>
+                          </a:solidFill>
+                          <a:latin typeface="Calibri" charset="0"/>
+                          <a:cs typeface="Calibri" charset="0"/>
+                        </a:rPr>
+                        <a:t>[A] · B) = A + B</a:t>
+                      </a:r>
+                      <a:endParaRPr lang="en-US" sz="2000" b="1">
+                        <a:solidFill>
+                          <a:srgbClr val="1C1B10"/>
+                        </a:solidFill>
+                        <a:latin typeface="Calibri" charset="0"/>
+                        <a:ea typeface="Calibri" charset="0"/>
+                        <a:cs typeface="Calibri" charset="0"/>
+                      </a:endParaRPr>
+                    </a:p>
+                  </a:txBody>
+                  <a:tcPr marL="9525" marR="9525" marT="9525" marB="9525" vert="horz" anchor="ctr">
+                    <a:lnL w="12700" cap="flat" cmpd="sng">
+                      <a:solidFill>
+                        <a:srgbClr val="080000"/>
+                      </a:solidFill>
+                      <a:prstDash val="solid"/>
+                      <a:headEnd type="none" w="med" len="med"/>
+                      <a:tailEnd type="none" w="med" len="med"/>
+                    </a:lnL>
+                    <a:lnR w="12700" cap="flat" cmpd="sng">
+                      <a:solidFill>
+                        <a:srgbClr val="080000"/>
+                      </a:solidFill>
+                      <a:prstDash val="solid"/>
+                      <a:headEnd type="none" w="med" len="med"/>
+                      <a:tailEnd type="none" w="med" len="med"/>
+                    </a:lnR>
+                    <a:lnT w="12700" cap="flat" cmpd="sng">
+                      <a:solidFill>
+                        <a:srgbClr val="080000"/>
+                      </a:solidFill>
+                      <a:prstDash val="solid"/>
+                      <a:headEnd type="none" w="med" len="med"/>
+                      <a:tailEnd type="none" w="med" len="med"/>
+                    </a:lnT>
+                    <a:lnB w="12700" cap="flat" cmpd="sng">
+                      <a:solidFill>
+                        <a:srgbClr val="080000"/>
+                      </a:solidFill>
+                      <a:prstDash val="solid"/>
+                      <a:headEnd type="none" w="med" len="med"/>
+                      <a:tailEnd type="none" w="med" len="med"/>
+                    </a:lnB>
+                    <a:lnTlToBr>
+                      <a:noFill/>
+                    </a:lnTlToBr>
+                    <a:lnBlToTr>
+                      <a:noFill/>
+                    </a:lnBlToTr>
+                    <a:noFill/>
+                  </a:tcPr>
+                </a:tc>
+                <a:tc>
+                  <a:txBody>
+                    <a:bodyPr/>
+                    <a:p>
+                      <a:pPr algn="ctr">
+                        <a:buNone/>
+                      </a:pPr>
+                      <a:r>
+                        <a:rPr lang="en-US" sz="2000" b="1">
+                          <a:solidFill>
+                            <a:srgbClr val="1C1B10"/>
+                          </a:solidFill>
+                          <a:latin typeface="Calibri" charset="0"/>
+                          <a:cs typeface="Calibri" charset="0"/>
+                        </a:rPr>
+                        <a:t>  A · (</a:t>
+                      </a:r>
+                      <a:r>
+                        <a:rPr lang="en-US" sz="2000" b="1" baseline="30000">
+                          <a:solidFill>
+                            <a:srgbClr val="1C1B10"/>
+                          </a:solidFill>
+                          <a:latin typeface="Calibri" charset="0"/>
+                          <a:cs typeface="Calibri" charset="0"/>
+                        </a:rPr>
+                        <a:t>NOT</a:t>
+                      </a:r>
+                      <a:r>
+                        <a:rPr lang="en-US" sz="2000" b="1">
+                          <a:solidFill>
+                            <a:srgbClr val="1C1B10"/>
+                          </a:solidFill>
+                          <a:latin typeface="Calibri" charset="0"/>
+                          <a:cs typeface="Calibri" charset="0"/>
+                        </a:rPr>
+                        <a:t>[A] + B) = A · B</a:t>
+                      </a:r>
+                      <a:endParaRPr lang="en-US" sz="2000" b="1">
+                        <a:solidFill>
+                          <a:srgbClr val="1C1B10"/>
+                        </a:solidFill>
+                        <a:latin typeface="Calibri" charset="0"/>
+                        <a:ea typeface="Calibri" charset="0"/>
+                        <a:cs typeface="Calibri" charset="0"/>
+                      </a:endParaRPr>
+                    </a:p>
+                  </a:txBody>
+                  <a:tcPr marL="9525" marR="9525" marT="9525" marB="9525" vert="horz" anchor="ctr">
+                    <a:lnL w="12700" cap="flat" cmpd="sng">
+                      <a:solidFill>
+                        <a:srgbClr val="080000"/>
+                      </a:solidFill>
+                      <a:prstDash val="solid"/>
+                      <a:headEnd type="none" w="med" len="med"/>
+                      <a:tailEnd type="none" w="med" len="med"/>
+                    </a:lnL>
+                    <a:lnR w="12700" cap="flat" cmpd="sng">
+                      <a:solidFill>
+                        <a:srgbClr val="080000"/>
+                      </a:solidFill>
+                      <a:prstDash val="solid"/>
+                      <a:headEnd type="none" w="med" len="med"/>
+                      <a:tailEnd type="none" w="med" len="med"/>
+                    </a:lnR>
+                    <a:lnT w="12700" cap="flat" cmpd="sng">
+                      <a:solidFill>
+                        <a:srgbClr val="080000"/>
+                      </a:solidFill>
+                      <a:prstDash val="solid"/>
+                      <a:headEnd type="none" w="med" len="med"/>
+                      <a:tailEnd type="none" w="med" len="med"/>
+                    </a:lnT>
+                    <a:lnB w="12700" cap="flat" cmpd="sng">
+                      <a:solidFill>
+                        <a:srgbClr val="080000"/>
+                      </a:solidFill>
+                      <a:prstDash val="solid"/>
+                      <a:headEnd type="none" w="med" len="med"/>
+                      <a:tailEnd type="none" w="med" len="med"/>
+                    </a:lnB>
+                    <a:lnTlToBr>
+                      <a:noFill/>
+                    </a:lnTlToBr>
+                    <a:lnBlToTr>
+                      <a:noFill/>
+                    </a:lnBlToTr>
+                    <a:noFill/>
+                  </a:tcPr>
+                </a:tc>
+                <a:tc>
+                  <a:txBody>
+                    <a:bodyPr/>
+                    <a:p>
+                      <a:pPr algn="ctr">
+                        <a:buNone/>
+                      </a:pPr>
+                      <a:r>
+                        <a:rPr lang="en-US" sz="2000" b="1">
+                          <a:solidFill>
+                            <a:srgbClr val="1C1B10"/>
+                          </a:solidFill>
+                          <a:latin typeface="Calibri" charset="0"/>
+                          <a:cs typeface="Calibri" charset="0"/>
+                        </a:rPr>
+                        <a:t> </a:t>
+                      </a:r>
+                      <a:endParaRPr lang="en-US" sz="2000" b="1">
+                        <a:solidFill>
+                          <a:srgbClr val="1C1B10"/>
+                        </a:solidFill>
+                        <a:latin typeface="Calibri" charset="0"/>
+                        <a:ea typeface="Calibri" charset="0"/>
+                        <a:cs typeface="Calibri" charset="0"/>
+                      </a:endParaRPr>
+                    </a:p>
+                  </a:txBody>
+                  <a:tcPr marL="9525" marR="9525" marT="9525" marB="9525" vert="horz" anchor="ctr">
+                    <a:lnL w="12700" cap="flat" cmpd="sng">
+                      <a:solidFill>
+                        <a:srgbClr val="080000"/>
+                      </a:solidFill>
+                      <a:prstDash val="solid"/>
+                      <a:headEnd type="none" w="med" len="med"/>
+                      <a:tailEnd type="none" w="med" len="med"/>
+                    </a:lnL>
+                    <a:lnR w="12700" cap="flat" cmpd="sng">
+                      <a:solidFill>
+                        <a:srgbClr val="080000"/>
+                      </a:solidFill>
+                      <a:prstDash val="solid"/>
+                      <a:headEnd type="none" w="med" len="med"/>
+                      <a:tailEnd type="none" w="med" len="med"/>
+                    </a:lnR>
+                    <a:lnT w="12700" cap="flat" cmpd="sng">
+                      <a:solidFill>
+                        <a:srgbClr val="080000"/>
+                      </a:solidFill>
+                      <a:prstDash val="solid"/>
+                      <a:headEnd type="none" w="med" len="med"/>
+                      <a:tailEnd type="none" w="med" len="med"/>
+                    </a:lnT>
+                    <a:lnB w="12700" cap="flat" cmpd="sng">
+                      <a:solidFill>
+                        <a:srgbClr val="080000"/>
+                      </a:solidFill>
+                      <a:prstDash val="solid"/>
+                      <a:headEnd type="none" w="med" len="med"/>
+                      <a:tailEnd type="none" w="med" len="med"/>
+                    </a:lnB>
+                    <a:lnTlToBr>
+                      <a:noFill/>
+                    </a:lnTlToBr>
+                    <a:lnBlToTr>
+                      <a:noFill/>
+                    </a:lnBlToTr>
+                    <a:noFill/>
+                  </a:tcPr>
+                </a:tc>
+              </a:tr>
+              <a:tr h="957580">
+                <a:tc>
+                  <a:txBody>
+                    <a:bodyPr/>
+                    <a:p>
+                      <a:pPr algn="ctr">
+                        <a:buNone/>
+                      </a:pPr>
+                      <a:r>
+                        <a:rPr lang="en-US" sz="2000" b="1">
+                          <a:solidFill>
+                            <a:srgbClr val="1C1B10"/>
+                          </a:solidFill>
+                          <a:latin typeface="Calibri" charset="0"/>
+                          <a:cs typeface="Calibri" charset="0"/>
+                        </a:rPr>
+                        <a:t>(10)</a:t>
+                      </a:r>
+                      <a:endParaRPr lang="en-US" sz="2000" b="1">
+                        <a:solidFill>
+                          <a:srgbClr val="1C1B10"/>
+                        </a:solidFill>
+                        <a:latin typeface="Calibri" charset="0"/>
+                        <a:ea typeface="Calibri" charset="0"/>
+                        <a:cs typeface="Calibri" charset="0"/>
+                      </a:endParaRPr>
+                    </a:p>
+                  </a:txBody>
+                  <a:tcPr marL="9525" marR="9525" marT="9525" marB="9525" vert="horz" anchor="ctr">
+                    <a:lnL w="12700" cap="flat" cmpd="sng">
+                      <a:solidFill>
+                        <a:srgbClr val="080000"/>
+                      </a:solidFill>
+                      <a:prstDash val="solid"/>
+                      <a:headEnd type="none" w="med" len="med"/>
+                      <a:tailEnd type="none" w="med" len="med"/>
+                    </a:lnL>
+                    <a:lnR w="12700" cap="flat" cmpd="sng">
+                      <a:solidFill>
+                        <a:srgbClr val="080000"/>
+                      </a:solidFill>
+                      <a:prstDash val="solid"/>
+                      <a:headEnd type="none" w="med" len="med"/>
+                      <a:tailEnd type="none" w="med" len="med"/>
+                    </a:lnR>
+                    <a:lnT w="12700" cap="flat" cmpd="sng">
+                      <a:solidFill>
+                        <a:srgbClr val="080000"/>
+                      </a:solidFill>
+                      <a:prstDash val="solid"/>
+                      <a:headEnd type="none" w="med" len="med"/>
+                      <a:tailEnd type="none" w="med" len="med"/>
+                    </a:lnT>
+                    <a:lnB w="12700" cap="flat" cmpd="sng">
+                      <a:solidFill>
+                        <a:srgbClr val="080000"/>
+                      </a:solidFill>
+                      <a:prstDash val="solid"/>
+                      <a:headEnd type="none" w="med" len="med"/>
+                      <a:tailEnd type="none" w="med" len="med"/>
+                    </a:lnB>
+                    <a:lnTlToBr>
+                      <a:noFill/>
+                    </a:lnTlToBr>
+                    <a:lnBlToTr>
+                      <a:noFill/>
+                    </a:lnBlToTr>
+                    <a:noFill/>
+                  </a:tcPr>
+                </a:tc>
+                <a:tc>
+                  <a:txBody>
+                    <a:bodyPr/>
+                    <a:p>
+                      <a:pPr algn="ctr">
+                        <a:buNone/>
+                      </a:pPr>
+                      <a:r>
+                        <a:rPr lang="en-US" sz="2000" b="1">
+                          <a:solidFill>
+                            <a:srgbClr val="1C1B10"/>
+                          </a:solidFill>
+                          <a:latin typeface="Calibri" charset="0"/>
+                          <a:cs typeface="Calibri" charset="0"/>
+                        </a:rPr>
+                        <a:t>  (A · B) + (</a:t>
+                      </a:r>
+                      <a:r>
+                        <a:rPr lang="en-US" sz="2000" b="1" baseline="30000">
+                          <a:solidFill>
+                            <a:srgbClr val="1C1B10"/>
+                          </a:solidFill>
+                          <a:latin typeface="Calibri" charset="0"/>
+                          <a:cs typeface="Calibri" charset="0"/>
+                        </a:rPr>
+                        <a:t>NOT</a:t>
+                      </a:r>
+                      <a:r>
+                        <a:rPr lang="en-US" sz="2000" b="1">
+                          <a:solidFill>
+                            <a:srgbClr val="1C1B10"/>
+                          </a:solidFill>
+                          <a:latin typeface="Calibri" charset="0"/>
+                          <a:cs typeface="Calibri" charset="0"/>
+                        </a:rPr>
+                        <a:t>[A] · C) + (B · C) = (A · B) + (</a:t>
+                      </a:r>
+                      <a:r>
+                        <a:rPr lang="en-US" sz="2000" b="1" baseline="30000">
+                          <a:solidFill>
+                            <a:srgbClr val="1C1B10"/>
+                          </a:solidFill>
+                          <a:latin typeface="Calibri" charset="0"/>
+                          <a:cs typeface="Calibri" charset="0"/>
+                        </a:rPr>
+                        <a:t>NOT</a:t>
+                      </a:r>
+                      <a:r>
+                        <a:rPr lang="en-US" sz="2000" b="1">
+                          <a:solidFill>
+                            <a:srgbClr val="1C1B10"/>
+                          </a:solidFill>
+                          <a:latin typeface="Calibri" charset="0"/>
+                          <a:cs typeface="Calibri" charset="0"/>
+                        </a:rPr>
+                        <a:t>[A] · C)</a:t>
+                      </a:r>
+                      <a:endParaRPr lang="en-US" sz="2000" b="1">
+                        <a:solidFill>
+                          <a:srgbClr val="1C1B10"/>
+                        </a:solidFill>
+                        <a:latin typeface="Calibri" charset="0"/>
+                        <a:ea typeface="Calibri" charset="0"/>
+                        <a:cs typeface="Calibri" charset="0"/>
+                      </a:endParaRPr>
+                    </a:p>
+                  </a:txBody>
+                  <a:tcPr marL="9525" marR="9525" marT="9525" marB="9525" vert="horz" anchor="ctr">
+                    <a:lnL w="12700" cap="flat" cmpd="sng">
+                      <a:solidFill>
+                        <a:srgbClr val="080000"/>
+                      </a:solidFill>
+                      <a:prstDash val="solid"/>
+                      <a:headEnd type="none" w="med" len="med"/>
+                      <a:tailEnd type="none" w="med" len="med"/>
+                    </a:lnL>
+                    <a:lnR w="12700" cap="flat" cmpd="sng">
+                      <a:solidFill>
+                        <a:srgbClr val="080000"/>
+                      </a:solidFill>
+                      <a:prstDash val="solid"/>
+                      <a:headEnd type="none" w="med" len="med"/>
+                      <a:tailEnd type="none" w="med" len="med"/>
+                    </a:lnR>
+                    <a:lnT w="12700" cap="flat" cmpd="sng">
+                      <a:solidFill>
+                        <a:srgbClr val="080000"/>
+                      </a:solidFill>
+                      <a:prstDash val="solid"/>
+                      <a:headEnd type="none" w="med" len="med"/>
+                      <a:tailEnd type="none" w="med" len="med"/>
+                    </a:lnT>
+                    <a:lnB w="12700" cap="flat" cmpd="sng">
+                      <a:solidFill>
+                        <a:srgbClr val="080000"/>
+                      </a:solidFill>
+                      <a:prstDash val="solid"/>
+                      <a:headEnd type="none" w="med" len="med"/>
+                      <a:tailEnd type="none" w="med" len="med"/>
+                    </a:lnB>
+                    <a:lnTlToBr>
+                      <a:noFill/>
+                    </a:lnTlToBr>
+                    <a:lnBlToTr>
+                      <a:noFill/>
+                    </a:lnBlToTr>
+                    <a:noFill/>
+                  </a:tcPr>
+                </a:tc>
+                <a:tc>
+                  <a:txBody>
+                    <a:bodyPr/>
+                    <a:p>
+                      <a:pPr algn="ctr">
+                        <a:buNone/>
+                      </a:pPr>
+                      <a:r>
+                        <a:rPr lang="en-US" sz="2000" b="1">
+                          <a:solidFill>
+                            <a:srgbClr val="1C1B10"/>
+                          </a:solidFill>
+                          <a:latin typeface="Calibri" charset="0"/>
+                          <a:cs typeface="Calibri" charset="0"/>
+                        </a:rPr>
+                        <a:t>  A · (B + C) = (A · B) + (A · C)</a:t>
+                      </a:r>
+                      <a:endParaRPr lang="en-US" sz="2000" b="1">
+                        <a:solidFill>
+                          <a:srgbClr val="1C1B10"/>
+                        </a:solidFill>
+                        <a:latin typeface="Calibri" charset="0"/>
+                        <a:ea typeface="Calibri" charset="0"/>
+                        <a:cs typeface="Calibri" charset="0"/>
+                      </a:endParaRPr>
+                    </a:p>
+                  </a:txBody>
+                  <a:tcPr marL="9525" marR="9525" marT="9525" marB="9525" vert="horz" anchor="ctr">
+                    <a:lnL w="12700" cap="flat" cmpd="sng">
+                      <a:solidFill>
+                        <a:srgbClr val="080000"/>
+                      </a:solidFill>
+                      <a:prstDash val="solid"/>
+                      <a:headEnd type="none" w="med" len="med"/>
+                      <a:tailEnd type="none" w="med" len="med"/>
+                    </a:lnL>
+                    <a:lnR w="12700" cap="flat" cmpd="sng">
+                      <a:solidFill>
+                        <a:srgbClr val="080000"/>
+                      </a:solidFill>
+                      <a:prstDash val="solid"/>
+                      <a:headEnd type="none" w="med" len="med"/>
+                      <a:tailEnd type="none" w="med" len="med"/>
+                    </a:lnR>
+                    <a:lnT w="12700" cap="flat" cmpd="sng">
+                      <a:solidFill>
+                        <a:srgbClr val="080000"/>
+                      </a:solidFill>
+                      <a:prstDash val="solid"/>
+                      <a:headEnd type="none" w="med" len="med"/>
+                      <a:tailEnd type="none" w="med" len="med"/>
+                    </a:lnT>
+                    <a:lnB w="12700" cap="flat" cmpd="sng">
+                      <a:solidFill>
+                        <a:srgbClr val="080000"/>
+                      </a:solidFill>
+                      <a:prstDash val="solid"/>
+                      <a:headEnd type="none" w="med" len="med"/>
+                      <a:tailEnd type="none" w="med" len="med"/>
+                    </a:lnB>
+                    <a:lnTlToBr>
+                      <a:noFill/>
+                    </a:lnTlToBr>
+                    <a:lnBlToTr>
+                      <a:noFill/>
+                    </a:lnBlToTr>
+                    <a:noFill/>
+                  </a:tcPr>
+                </a:tc>
+                <a:tc>
+                  <a:txBody>
+                    <a:bodyPr/>
+                    <a:p>
+                      <a:pPr algn="ctr">
+                        <a:buNone/>
+                      </a:pPr>
+                      <a:r>
+                        <a:rPr lang="en-US" sz="2000" b="1">
+                          <a:solidFill>
+                            <a:srgbClr val="1C1B10"/>
+                          </a:solidFill>
+                          <a:latin typeface="Calibri" charset="0"/>
+                          <a:cs typeface="Calibri" charset="0"/>
+                        </a:rPr>
+                        <a:t> </a:t>
+                      </a:r>
+                      <a:endParaRPr lang="en-US" sz="2000" b="1">
+                        <a:solidFill>
+                          <a:srgbClr val="1C1B10"/>
+                        </a:solidFill>
+                        <a:latin typeface="Calibri" charset="0"/>
+                        <a:ea typeface="Calibri" charset="0"/>
+                        <a:cs typeface="Calibri" charset="0"/>
+                      </a:endParaRPr>
+                    </a:p>
+                  </a:txBody>
+                  <a:tcPr marL="9525" marR="9525" marT="9525" marB="9525" vert="horz" anchor="ctr">
+                    <a:lnL w="12700" cap="flat" cmpd="sng">
+                      <a:solidFill>
+                        <a:srgbClr val="080000"/>
+                      </a:solidFill>
+                      <a:prstDash val="solid"/>
+                      <a:headEnd type="none" w="med" len="med"/>
+                      <a:tailEnd type="none" w="med" len="med"/>
+                    </a:lnL>
+                    <a:lnR w="12700" cap="flat" cmpd="sng">
+                      <a:solidFill>
+                        <a:srgbClr val="080000"/>
+                      </a:solidFill>
+                      <a:prstDash val="solid"/>
+                      <a:headEnd type="none" w="med" len="med"/>
+                      <a:tailEnd type="none" w="med" len="med"/>
+                    </a:lnR>
+                    <a:lnT w="12700" cap="flat" cmpd="sng">
+                      <a:solidFill>
+                        <a:srgbClr val="080000"/>
+                      </a:solidFill>
+                      <a:prstDash val="solid"/>
+                      <a:headEnd type="none" w="med" len="med"/>
+                      <a:tailEnd type="none" w="med" len="med"/>
+                    </a:lnT>
+                    <a:lnB w="12700" cap="flat" cmpd="sng">
+                      <a:solidFill>
+                        <a:srgbClr val="080000"/>
+                      </a:solidFill>
+                      <a:prstDash val="solid"/>
+                      <a:headEnd type="none" w="med" len="med"/>
+                      <a:tailEnd type="none" w="med" len="med"/>
+                    </a:lnB>
+                    <a:lnTlToBr>
+                      <a:noFill/>
+                    </a:lnTlToBr>
+                    <a:lnBlToTr>
+                      <a:noFill/>
+                    </a:lnBlToTr>
+                    <a:noFill/>
+                  </a:tcPr>
+                </a:tc>
+              </a:tr>
+              <a:tr h="644525">
+                <a:tc>
+                  <a:txBody>
+                    <a:bodyPr/>
+                    <a:p>
+                      <a:pPr algn="ctr">
+                        <a:buNone/>
+                      </a:pPr>
+                      <a:r>
+                        <a:rPr lang="en-US" sz="2000" b="1">
+                          <a:solidFill>
+                            <a:srgbClr val="1C1B10"/>
+                          </a:solidFill>
+                          <a:latin typeface="Calibri" charset="0"/>
+                          <a:cs typeface="Calibri" charset="0"/>
+                        </a:rPr>
+                        <a:t>(11)</a:t>
+                      </a:r>
+                      <a:endParaRPr lang="en-US" sz="2000" b="1">
+                        <a:solidFill>
+                          <a:srgbClr val="1C1B10"/>
+                        </a:solidFill>
+                        <a:latin typeface="Calibri" charset="0"/>
+                        <a:ea typeface="Calibri" charset="0"/>
+                        <a:cs typeface="Calibri" charset="0"/>
+                      </a:endParaRPr>
+                    </a:p>
+                  </a:txBody>
+                  <a:tcPr marL="9525" marR="9525" marT="9525" marB="9525" vert="horz" anchor="ctr">
+                    <a:lnL w="12700" cap="flat" cmpd="sng">
+                      <a:solidFill>
+                        <a:srgbClr val="080000"/>
+                      </a:solidFill>
+                      <a:prstDash val="solid"/>
+                      <a:headEnd type="none" w="med" len="med"/>
+                      <a:tailEnd type="none" w="med" len="med"/>
+                    </a:lnL>
+                    <a:lnR w="12700" cap="flat" cmpd="sng">
+                      <a:solidFill>
+                        <a:srgbClr val="080000"/>
+                      </a:solidFill>
+                      <a:prstDash val="solid"/>
+                      <a:headEnd type="none" w="med" len="med"/>
+                      <a:tailEnd type="none" w="med" len="med"/>
+                    </a:lnR>
+                    <a:lnT w="12700" cap="flat" cmpd="sng">
+                      <a:solidFill>
+                        <a:srgbClr val="080000"/>
+                      </a:solidFill>
+                      <a:prstDash val="solid"/>
+                      <a:headEnd type="none" w="med" len="med"/>
+                      <a:tailEnd type="none" w="med" len="med"/>
+                    </a:lnT>
+                    <a:lnB w="12700" cap="flat" cmpd="sng">
+                      <a:solidFill>
+                        <a:srgbClr val="080000"/>
+                      </a:solidFill>
+                      <a:prstDash val="solid"/>
+                      <a:headEnd type="none" w="med" len="med"/>
+                      <a:tailEnd type="none" w="med" len="med"/>
+                    </a:lnB>
+                    <a:lnTlToBr>
+                      <a:noFill/>
+                    </a:lnTlToBr>
+                    <a:lnBlToTr>
+                      <a:noFill/>
+                    </a:lnBlToTr>
+                    <a:noFill/>
+                  </a:tcPr>
+                </a:tc>
+                <a:tc>
+                  <a:txBody>
+                    <a:bodyPr/>
+                    <a:p>
+                      <a:pPr algn="ctr">
+                        <a:buNone/>
+                      </a:pPr>
+                      <a:r>
+                        <a:rPr lang="en-US" sz="2000" b="1">
+                          <a:solidFill>
+                            <a:srgbClr val="1C1B10"/>
+                          </a:solidFill>
+                          <a:latin typeface="Calibri" charset="0"/>
+                          <a:cs typeface="Calibri" charset="0"/>
+                        </a:rPr>
+                        <a:t>  </a:t>
+                      </a:r>
+                      <a:r>
+                        <a:rPr lang="en-US" sz="2000" b="1" baseline="30000">
+                          <a:solidFill>
+                            <a:srgbClr val="1C1B10"/>
+                          </a:solidFill>
+                          <a:latin typeface="Calibri" charset="0"/>
+                          <a:cs typeface="Calibri" charset="0"/>
+                        </a:rPr>
+                        <a:t>NOT</a:t>
+                      </a:r>
+                      <a:r>
+                        <a:rPr lang="en-US" sz="2000" b="1">
+                          <a:solidFill>
+                            <a:srgbClr val="1C1B10"/>
+                          </a:solidFill>
+                          <a:latin typeface="Calibri" charset="0"/>
+                          <a:cs typeface="Calibri" charset="0"/>
+                        </a:rPr>
+                        <a:t>[A + B] = </a:t>
+                      </a:r>
+                      <a:r>
+                        <a:rPr lang="en-US" sz="2000" b="1" baseline="30000">
+                          <a:solidFill>
+                            <a:srgbClr val="1C1B10"/>
+                          </a:solidFill>
+                          <a:latin typeface="Calibri" charset="0"/>
+                          <a:cs typeface="Calibri" charset="0"/>
+                        </a:rPr>
+                        <a:t>NOT</a:t>
+                      </a:r>
+                      <a:r>
+                        <a:rPr lang="en-US" sz="2000" b="1">
+                          <a:solidFill>
+                            <a:srgbClr val="1C1B10"/>
+                          </a:solidFill>
+                          <a:latin typeface="Calibri" charset="0"/>
+                          <a:cs typeface="Calibri" charset="0"/>
+                        </a:rPr>
+                        <a:t>[A] · </a:t>
+                      </a:r>
+                      <a:r>
+                        <a:rPr lang="en-US" sz="2000" b="1" baseline="30000">
+                          <a:solidFill>
+                            <a:srgbClr val="1C1B10"/>
+                          </a:solidFill>
+                          <a:latin typeface="Calibri" charset="0"/>
+                          <a:cs typeface="Calibri" charset="0"/>
+                        </a:rPr>
+                        <a:t>NOT</a:t>
+                      </a:r>
+                      <a:r>
+                        <a:rPr lang="en-US" sz="2000" b="1">
+                          <a:solidFill>
+                            <a:srgbClr val="1C1B10"/>
+                          </a:solidFill>
+                          <a:latin typeface="Calibri" charset="0"/>
+                          <a:cs typeface="Calibri" charset="0"/>
+                        </a:rPr>
+                        <a:t>[B]</a:t>
+                      </a:r>
+                      <a:endParaRPr lang="en-US" sz="2000" b="1">
+                        <a:solidFill>
+                          <a:srgbClr val="1C1B10"/>
+                        </a:solidFill>
+                        <a:latin typeface="Calibri" charset="0"/>
+                        <a:ea typeface="Calibri" charset="0"/>
+                        <a:cs typeface="Calibri" charset="0"/>
+                      </a:endParaRPr>
+                    </a:p>
+                  </a:txBody>
+                  <a:tcPr marL="9525" marR="9525" marT="9525" marB="9525" vert="horz" anchor="ctr">
+                    <a:lnL w="12700" cap="flat" cmpd="sng">
+                      <a:solidFill>
+                        <a:srgbClr val="080000"/>
+                      </a:solidFill>
+                      <a:prstDash val="solid"/>
+                      <a:headEnd type="none" w="med" len="med"/>
+                      <a:tailEnd type="none" w="med" len="med"/>
+                    </a:lnL>
+                    <a:lnR w="12700" cap="flat" cmpd="sng">
+                      <a:solidFill>
+                        <a:srgbClr val="080000"/>
+                      </a:solidFill>
+                      <a:prstDash val="solid"/>
+                      <a:headEnd type="none" w="med" len="med"/>
+                      <a:tailEnd type="none" w="med" len="med"/>
+                    </a:lnR>
+                    <a:lnT w="12700" cap="flat" cmpd="sng">
+                      <a:solidFill>
+                        <a:srgbClr val="080000"/>
+                      </a:solidFill>
+                      <a:prstDash val="solid"/>
+                      <a:headEnd type="none" w="med" len="med"/>
+                      <a:tailEnd type="none" w="med" len="med"/>
+                    </a:lnT>
+                    <a:lnB w="12700" cap="flat" cmpd="sng">
+                      <a:solidFill>
+                        <a:srgbClr val="080000"/>
+                      </a:solidFill>
+                      <a:prstDash val="solid"/>
+                      <a:headEnd type="none" w="med" len="med"/>
+                      <a:tailEnd type="none" w="med" len="med"/>
+                    </a:lnB>
+                    <a:lnTlToBr>
+                      <a:noFill/>
+                    </a:lnTlToBr>
+                    <a:lnBlToTr>
+                      <a:noFill/>
+                    </a:lnBlToTr>
+                    <a:noFill/>
+                  </a:tcPr>
+                </a:tc>
+                <a:tc>
+                  <a:txBody>
+                    <a:bodyPr/>
+                    <a:p>
+                      <a:pPr algn="ctr">
+                        <a:buNone/>
+                      </a:pPr>
+                      <a:r>
+                        <a:rPr lang="en-US" sz="2000" b="1">
+                          <a:solidFill>
+                            <a:srgbClr val="1C1B10"/>
+                          </a:solidFill>
+                          <a:latin typeface="Calibri" charset="0"/>
+                          <a:cs typeface="Calibri" charset="0"/>
+                        </a:rPr>
+                        <a:t>  </a:t>
+                      </a:r>
+                      <a:r>
+                        <a:rPr lang="en-US" sz="2000" b="1" baseline="30000">
+                          <a:solidFill>
+                            <a:srgbClr val="1C1B10"/>
+                          </a:solidFill>
+                          <a:latin typeface="Calibri" charset="0"/>
+                          <a:cs typeface="Calibri" charset="0"/>
+                        </a:rPr>
+                        <a:t>NOT</a:t>
+                      </a:r>
+                      <a:r>
+                        <a:rPr lang="en-US" sz="2000" b="1">
+                          <a:solidFill>
+                            <a:srgbClr val="1C1B10"/>
+                          </a:solidFill>
+                          <a:latin typeface="Calibri" charset="0"/>
+                          <a:cs typeface="Calibri" charset="0"/>
+                        </a:rPr>
+                        <a:t>[A · B] = </a:t>
+                      </a:r>
+                      <a:r>
+                        <a:rPr lang="en-US" sz="2000" b="1" baseline="30000">
+                          <a:solidFill>
+                            <a:srgbClr val="1C1B10"/>
+                          </a:solidFill>
+                          <a:latin typeface="Calibri" charset="0"/>
+                          <a:cs typeface="Calibri" charset="0"/>
+                        </a:rPr>
+                        <a:t>NOT</a:t>
+                      </a:r>
+                      <a:r>
+                        <a:rPr lang="en-US" sz="2000" b="1">
+                          <a:solidFill>
+                            <a:srgbClr val="1C1B10"/>
+                          </a:solidFill>
+                          <a:latin typeface="Calibri" charset="0"/>
+                          <a:cs typeface="Calibri" charset="0"/>
+                        </a:rPr>
+                        <a:t>[A] + </a:t>
+                      </a:r>
+                      <a:r>
+                        <a:rPr lang="en-US" sz="2000" b="1" baseline="30000">
+                          <a:solidFill>
+                            <a:srgbClr val="1C1B10"/>
+                          </a:solidFill>
+                          <a:latin typeface="Calibri" charset="0"/>
+                          <a:cs typeface="Calibri" charset="0"/>
+                        </a:rPr>
+                        <a:t>NOT</a:t>
+                      </a:r>
+                      <a:r>
+                        <a:rPr lang="en-US" sz="2000" b="1">
+                          <a:solidFill>
+                            <a:srgbClr val="1C1B10"/>
+                          </a:solidFill>
+                          <a:latin typeface="Calibri" charset="0"/>
+                          <a:cs typeface="Calibri" charset="0"/>
+                        </a:rPr>
+                        <a:t>[B]</a:t>
+                      </a:r>
+                      <a:endParaRPr lang="en-US" sz="2000" b="1">
+                        <a:solidFill>
+                          <a:srgbClr val="1C1B10"/>
+                        </a:solidFill>
+                        <a:latin typeface="Calibri" charset="0"/>
+                        <a:ea typeface="Calibri" charset="0"/>
+                        <a:cs typeface="Calibri" charset="0"/>
+                      </a:endParaRPr>
+                    </a:p>
+                  </a:txBody>
+                  <a:tcPr marL="9525" marR="9525" marT="9525" marB="9525" vert="horz" anchor="ctr">
+                    <a:lnL w="12700" cap="flat" cmpd="sng">
+                      <a:solidFill>
+                        <a:srgbClr val="080000"/>
+                      </a:solidFill>
+                      <a:prstDash val="solid"/>
+                      <a:headEnd type="none" w="med" len="med"/>
+                      <a:tailEnd type="none" w="med" len="med"/>
+                    </a:lnL>
+                    <a:lnR w="12700" cap="flat" cmpd="sng">
+                      <a:solidFill>
+                        <a:srgbClr val="080000"/>
+                      </a:solidFill>
+                      <a:prstDash val="solid"/>
+                      <a:headEnd type="none" w="med" len="med"/>
+                      <a:tailEnd type="none" w="med" len="med"/>
+                    </a:lnR>
+                    <a:lnT w="12700" cap="flat" cmpd="sng">
+                      <a:solidFill>
+                        <a:srgbClr val="080000"/>
+                      </a:solidFill>
+                      <a:prstDash val="solid"/>
+                      <a:headEnd type="none" w="med" len="med"/>
+                      <a:tailEnd type="none" w="med" len="med"/>
+                    </a:lnT>
+                    <a:lnB w="12700" cap="flat" cmpd="sng">
+                      <a:solidFill>
+                        <a:srgbClr val="080000"/>
+                      </a:solidFill>
+                      <a:prstDash val="solid"/>
+                      <a:headEnd type="none" w="med" len="med"/>
+                      <a:tailEnd type="none" w="med" len="med"/>
+                    </a:lnB>
+                    <a:lnTlToBr>
+                      <a:noFill/>
+                    </a:lnTlToBr>
+                    <a:lnBlToTr>
+                      <a:noFill/>
+                    </a:lnBlToTr>
+                    <a:noFill/>
+                  </a:tcPr>
+                </a:tc>
+                <a:tc>
+                  <a:txBody>
+                    <a:bodyPr/>
+                    <a:p>
+                      <a:pPr algn="ctr">
+                        <a:buNone/>
+                      </a:pPr>
+                      <a:r>
+                        <a:rPr lang="en-US" sz="2000" b="1">
+                          <a:solidFill>
+                            <a:srgbClr val="1C1B10"/>
+                          </a:solidFill>
+                          <a:latin typeface="Calibri" charset="0"/>
+                          <a:cs typeface="Calibri" charset="0"/>
+                        </a:rPr>
+                        <a:t> de Morgan's theorem</a:t>
+                      </a:r>
+                      <a:endParaRPr lang="en-US" sz="2000" b="1">
+                        <a:solidFill>
+                          <a:srgbClr val="1C1B10"/>
+                        </a:solidFill>
+                        <a:latin typeface="Calibri" charset="0"/>
+                        <a:ea typeface="Calibri" charset="0"/>
+                        <a:cs typeface="Calibri" charset="0"/>
+                      </a:endParaRPr>
+                    </a:p>
+                  </a:txBody>
+                  <a:tcPr marL="9525" marR="9525" marT="9525" marB="9525" vert="horz" anchor="ctr">
+                    <a:lnL w="12700" cap="flat" cmpd="sng">
+                      <a:solidFill>
+                        <a:srgbClr val="080000"/>
+                      </a:solidFill>
+                      <a:prstDash val="solid"/>
+                      <a:headEnd type="none" w="med" len="med"/>
+                      <a:tailEnd type="none" w="med" len="med"/>
+                    </a:lnL>
+                    <a:lnR w="12700" cap="flat" cmpd="sng">
+                      <a:solidFill>
+                        <a:srgbClr val="080000"/>
+                      </a:solidFill>
+                      <a:prstDash val="solid"/>
+                      <a:headEnd type="none" w="med" len="med"/>
+                      <a:tailEnd type="none" w="med" len="med"/>
+                    </a:lnR>
+                    <a:lnT w="12700" cap="flat" cmpd="sng">
+                      <a:solidFill>
+                        <a:srgbClr val="080000"/>
+                      </a:solidFill>
+                      <a:prstDash val="solid"/>
+                      <a:headEnd type="none" w="med" len="med"/>
+                      <a:tailEnd type="none" w="med" len="med"/>
+                    </a:lnT>
+                    <a:lnB w="12700" cap="flat" cmpd="sng">
+                      <a:solidFill>
+                        <a:srgbClr val="080000"/>
+                      </a:solidFill>
+                      <a:prstDash val="solid"/>
+                      <a:headEnd type="none" w="med" len="med"/>
+                      <a:tailEnd type="none" w="med" len="med"/>
+                    </a:lnB>
+                    <a:lnTlToBr>
+                      <a:noFill/>
+                    </a:lnTlToBr>
+                    <a:lnBlToTr>
+                      <a:noFill/>
+                    </a:lnBlToTr>
+                    <a:noFill/>
+                  </a:tcPr>
+                </a:tc>
+              </a:tr>
+            </a:tbl>
+          </a:graphicData>
+        </a:graphic>
+      </p:graphicFrame>
+    </p:spTree>
+  </p:cSld>
+  <p:clrMapOvr>
+    <a:masterClrMapping/>
+  </p:clrMapOvr>
+</p:sld>
+</file>
+
+<file path=ppt/slides/slide7.xml><?xml version="1.0" encoding="utf-8"?>
 <p:sld xmlns:a="http://schemas.openxmlformats.org/drawingml/2006/main" xmlns:r="http://schemas.openxmlformats.org/officeDocument/2006/relationships" xmlns:p="http://schemas.openxmlformats.org/presentationml/2006/main">
   <p:cSld>
     <p:spTree>
